--- a/Slides/genderqueer.pptx
+++ b/Slides/genderqueer.pptx
@@ -5,35 +5,36 @@
     <p:sldMasterId id="2147483648" r:id="rId1"/>
   </p:sldMasterIdLst>
   <p:notesMasterIdLst>
-    <p:notesMasterId r:id="rId28"/>
+    <p:notesMasterId r:id="rId29"/>
   </p:notesMasterIdLst>
   <p:sldIdLst>
     <p:sldId id="256" r:id="rId2"/>
     <p:sldId id="257" r:id="rId3"/>
-    <p:sldId id="279" r:id="rId4"/>
-    <p:sldId id="259" r:id="rId5"/>
-    <p:sldId id="277" r:id="rId6"/>
-    <p:sldId id="278" r:id="rId7"/>
-    <p:sldId id="280" r:id="rId8"/>
-    <p:sldId id="281" r:id="rId9"/>
-    <p:sldId id="258" r:id="rId10"/>
-    <p:sldId id="261" r:id="rId11"/>
-    <p:sldId id="260" r:id="rId12"/>
-    <p:sldId id="262" r:id="rId13"/>
-    <p:sldId id="276" r:id="rId14"/>
-    <p:sldId id="275" r:id="rId15"/>
-    <p:sldId id="263" r:id="rId16"/>
-    <p:sldId id="264" r:id="rId17"/>
-    <p:sldId id="266" r:id="rId18"/>
-    <p:sldId id="265" r:id="rId19"/>
-    <p:sldId id="270" r:id="rId20"/>
-    <p:sldId id="271" r:id="rId21"/>
-    <p:sldId id="272" r:id="rId22"/>
-    <p:sldId id="267" r:id="rId23"/>
-    <p:sldId id="268" r:id="rId24"/>
-    <p:sldId id="269" r:id="rId25"/>
-    <p:sldId id="273" r:id="rId26"/>
-    <p:sldId id="274" r:id="rId27"/>
+    <p:sldId id="282" r:id="rId4"/>
+    <p:sldId id="279" r:id="rId5"/>
+    <p:sldId id="259" r:id="rId6"/>
+    <p:sldId id="277" r:id="rId7"/>
+    <p:sldId id="278" r:id="rId8"/>
+    <p:sldId id="280" r:id="rId9"/>
+    <p:sldId id="281" r:id="rId10"/>
+    <p:sldId id="258" r:id="rId11"/>
+    <p:sldId id="261" r:id="rId12"/>
+    <p:sldId id="260" r:id="rId13"/>
+    <p:sldId id="262" r:id="rId14"/>
+    <p:sldId id="276" r:id="rId15"/>
+    <p:sldId id="275" r:id="rId16"/>
+    <p:sldId id="263" r:id="rId17"/>
+    <p:sldId id="264" r:id="rId18"/>
+    <p:sldId id="266" r:id="rId19"/>
+    <p:sldId id="265" r:id="rId20"/>
+    <p:sldId id="270" r:id="rId21"/>
+    <p:sldId id="271" r:id="rId22"/>
+    <p:sldId id="272" r:id="rId23"/>
+    <p:sldId id="267" r:id="rId24"/>
+    <p:sldId id="268" r:id="rId25"/>
+    <p:sldId id="269" r:id="rId26"/>
+    <p:sldId id="273" r:id="rId27"/>
+    <p:sldId id="274" r:id="rId28"/>
   </p:sldIdLst>
   <p:sldSz cx="12192000" cy="6858000"/>
   <p:notesSz cx="6858000" cy="9144000"/>
@@ -143,7 +144,7 @@
 <file path=ppt/revisionInfo.xml><?xml version="1.0" encoding="utf-8"?>
 <p1510:revInfo xmlns:a="http://schemas.openxmlformats.org/drawingml/2006/main" xmlns:r="http://schemas.openxmlformats.org/officeDocument/2006/relationships" xmlns:p1510="http://schemas.microsoft.com/office/powerpoint/2015/10/main">
   <p1510:revLst>
-    <p1510:client id="{6366549D-2D6C-4723-ACB1-E17C63E747B5}" v="430" dt="2021-05-02T10:50:39.542"/>
+    <p1510:client id="{6366549D-2D6C-4723-ACB1-E17C63E747B5}" v="452" dt="2021-05-29T12:26:11.731"/>
   </p1510:revLst>
 </p1510:revInfo>
 </file>
@@ -153,7 +154,7 @@
   <pc:docChgLst>
     <pc:chgData name="Andi Fugard" userId="082e0584b87bc5c4" providerId="LiveId" clId="{6366549D-2D6C-4723-ACB1-E17C63E747B5}"/>
     <pc:docChg chg="undo redo custSel addSld modSld sldOrd modShowInfo">
-      <pc:chgData name="Andi Fugard" userId="082e0584b87bc5c4" providerId="LiveId" clId="{6366549D-2D6C-4723-ACB1-E17C63E747B5}" dt="2021-05-02T10:50:56.570" v="4004" actId="20577"/>
+      <pc:chgData name="Andi Fugard" userId="082e0584b87bc5c4" providerId="LiveId" clId="{6366549D-2D6C-4723-ACB1-E17C63E747B5}" dt="2021-05-29T12:30:09.389" v="4378" actId="114"/>
       <pc:docMkLst>
         <pc:docMk/>
       </pc:docMkLst>
@@ -387,17 +388,41 @@
         </pc:picChg>
       </pc:sldChg>
       <pc:sldChg chg="addSp delSp modSp new mod setBg delDesignElem">
-        <pc:chgData name="Andi Fugard" userId="082e0584b87bc5c4" providerId="LiveId" clId="{6366549D-2D6C-4723-ACB1-E17C63E747B5}" dt="2021-05-02T10:00:33.062" v="3875" actId="478"/>
+        <pc:chgData name="Andi Fugard" userId="082e0584b87bc5c4" providerId="LiveId" clId="{6366549D-2D6C-4723-ACB1-E17C63E747B5}" dt="2021-05-29T12:27:20.978" v="4377" actId="1076"/>
         <pc:sldMkLst>
           <pc:docMk/>
           <pc:sldMk cId="911491820" sldId="259"/>
         </pc:sldMkLst>
+        <pc:spChg chg="add mod">
+          <ac:chgData name="Andi Fugard" userId="082e0584b87bc5c4" providerId="LiveId" clId="{6366549D-2D6C-4723-ACB1-E17C63E747B5}" dt="2021-05-29T12:04:04.187" v="4225" actId="14100"/>
+          <ac:spMkLst>
+            <pc:docMk/>
+            <pc:sldMk cId="911491820" sldId="259"/>
+            <ac:spMk id="2" creationId="{C46D4E36-B370-4B7E-9143-C723D708B688}"/>
+          </ac:spMkLst>
+        </pc:spChg>
         <pc:spChg chg="add del mod">
           <ac:chgData name="Andi Fugard" userId="082e0584b87bc5c4" providerId="LiveId" clId="{6366549D-2D6C-4723-ACB1-E17C63E747B5}" dt="2021-04-30T19:02:22.311" v="761" actId="478"/>
           <ac:spMkLst>
             <pc:docMk/>
             <pc:sldMk cId="911491820" sldId="259"/>
             <ac:spMk id="2" creationId="{E1A586C1-57DC-4704-8D9C-C2B445F7186C}"/>
+          </ac:spMkLst>
+        </pc:spChg>
+        <pc:spChg chg="add mod">
+          <ac:chgData name="Andi Fugard" userId="082e0584b87bc5c4" providerId="LiveId" clId="{6366549D-2D6C-4723-ACB1-E17C63E747B5}" dt="2021-05-29T12:09:34.308" v="4362" actId="692"/>
+          <ac:spMkLst>
+            <pc:docMk/>
+            <pc:sldMk cId="911491820" sldId="259"/>
+            <ac:spMk id="3" creationId="{826D5C6C-98D1-42D3-80AC-6BB81EA33399}"/>
+          </ac:spMkLst>
+        </pc:spChg>
+        <pc:spChg chg="add mod">
+          <ac:chgData name="Andi Fugard" userId="082e0584b87bc5c4" providerId="LiveId" clId="{6366549D-2D6C-4723-ACB1-E17C63E747B5}" dt="2021-05-29T12:09:34.308" v="4362" actId="692"/>
+          <ac:spMkLst>
+            <pc:docMk/>
+            <pc:sldMk cId="911491820" sldId="259"/>
+            <ac:spMk id="4" creationId="{47A73421-80F1-4159-89E9-964EAA3DA076}"/>
           </ac:spMkLst>
         </pc:spChg>
         <pc:spChg chg="add del mod">
@@ -416,12 +441,84 @@
             <ac:spMk id="5" creationId="{49350128-B3CC-4987-A22A-C200EF65732E}"/>
           </ac:spMkLst>
         </pc:spChg>
+        <pc:spChg chg="add mod">
+          <ac:chgData name="Andi Fugard" userId="082e0584b87bc5c4" providerId="LiveId" clId="{6366549D-2D6C-4723-ACB1-E17C63E747B5}" dt="2021-05-29T12:09:34.308" v="4362" actId="692"/>
+          <ac:spMkLst>
+            <pc:docMk/>
+            <pc:sldMk cId="911491820" sldId="259"/>
+            <ac:spMk id="5" creationId="{86425145-E3A3-4359-A951-A71EB933DBB5}"/>
+          </ac:spMkLst>
+        </pc:spChg>
+        <pc:spChg chg="add mod">
+          <ac:chgData name="Andi Fugard" userId="082e0584b87bc5c4" providerId="LiveId" clId="{6366549D-2D6C-4723-ACB1-E17C63E747B5}" dt="2021-05-29T12:09:34.308" v="4362" actId="692"/>
+          <ac:spMkLst>
+            <pc:docMk/>
+            <pc:sldMk cId="911491820" sldId="259"/>
+            <ac:spMk id="6" creationId="{9B6B3812-0575-4102-882B-E25422E71F8A}"/>
+          </ac:spMkLst>
+        </pc:spChg>
+        <pc:spChg chg="add mod">
+          <ac:chgData name="Andi Fugard" userId="082e0584b87bc5c4" providerId="LiveId" clId="{6366549D-2D6C-4723-ACB1-E17C63E747B5}" dt="2021-05-29T12:04:13.179" v="4247" actId="20577"/>
+          <ac:spMkLst>
+            <pc:docMk/>
+            <pc:sldMk cId="911491820" sldId="259"/>
+            <ac:spMk id="7" creationId="{67CB2944-B31B-4A6A-BA04-BA873FD84964}"/>
+          </ac:spMkLst>
+        </pc:spChg>
         <pc:spChg chg="add del mod">
           <ac:chgData name="Andi Fugard" userId="082e0584b87bc5c4" providerId="LiveId" clId="{6366549D-2D6C-4723-ACB1-E17C63E747B5}" dt="2021-04-30T19:02:19.395" v="760" actId="478"/>
           <ac:spMkLst>
             <pc:docMk/>
             <pc:sldMk cId="911491820" sldId="259"/>
             <ac:spMk id="7" creationId="{B77E08DC-7BD1-4BE4-BDD5-DB7B9680ADEC}"/>
+          </ac:spMkLst>
+        </pc:spChg>
+        <pc:spChg chg="add mod">
+          <ac:chgData name="Andi Fugard" userId="082e0584b87bc5c4" providerId="LiveId" clId="{6366549D-2D6C-4723-ACB1-E17C63E747B5}" dt="2021-05-29T12:04:28.245" v="4269" actId="1076"/>
+          <ac:spMkLst>
+            <pc:docMk/>
+            <pc:sldMk cId="911491820" sldId="259"/>
+            <ac:spMk id="8" creationId="{EE988499-125A-42D8-93EA-8C8F6569915B}"/>
+          </ac:spMkLst>
+        </pc:spChg>
+        <pc:spChg chg="add mod">
+          <ac:chgData name="Andi Fugard" userId="082e0584b87bc5c4" providerId="LiveId" clId="{6366549D-2D6C-4723-ACB1-E17C63E747B5}" dt="2021-05-29T12:04:35.022" v="4273" actId="20577"/>
+          <ac:spMkLst>
+            <pc:docMk/>
+            <pc:sldMk cId="911491820" sldId="259"/>
+            <ac:spMk id="9" creationId="{EED7B22F-7A38-4598-B9B7-43FDD1692B11}"/>
+          </ac:spMkLst>
+        </pc:spChg>
+        <pc:spChg chg="add mod">
+          <ac:chgData name="Andi Fugard" userId="082e0584b87bc5c4" providerId="LiveId" clId="{6366549D-2D6C-4723-ACB1-E17C63E747B5}" dt="2021-05-29T12:27:14.988" v="4376" actId="1076"/>
+          <ac:spMkLst>
+            <pc:docMk/>
+            <pc:sldMk cId="911491820" sldId="259"/>
+            <ac:spMk id="10" creationId="{CD81C349-89F9-4D4F-A4F5-31377A54385D}"/>
+          </ac:spMkLst>
+        </pc:spChg>
+        <pc:spChg chg="add mod">
+          <ac:chgData name="Andi Fugard" userId="082e0584b87bc5c4" providerId="LiveId" clId="{6366549D-2D6C-4723-ACB1-E17C63E747B5}" dt="2021-05-29T12:10:33.774" v="4363" actId="20577"/>
+          <ac:spMkLst>
+            <pc:docMk/>
+            <pc:sldMk cId="911491820" sldId="259"/>
+            <ac:spMk id="11" creationId="{3B8C192A-BACA-4952-AFF9-A52FCB082ADE}"/>
+          </ac:spMkLst>
+        </pc:spChg>
+        <pc:spChg chg="add mod">
+          <ac:chgData name="Andi Fugard" userId="082e0584b87bc5c4" providerId="LiveId" clId="{6366549D-2D6C-4723-ACB1-E17C63E747B5}" dt="2021-05-29T12:27:20.978" v="4377" actId="1076"/>
+          <ac:spMkLst>
+            <pc:docMk/>
+            <pc:sldMk cId="911491820" sldId="259"/>
+            <ac:spMk id="12" creationId="{EEA2326D-2C49-4013-885F-DB62792AF68D}"/>
+          </ac:spMkLst>
+        </pc:spChg>
+        <pc:spChg chg="add del mod">
+          <ac:chgData name="Andi Fugard" userId="082e0584b87bc5c4" providerId="LiveId" clId="{6366549D-2D6C-4723-ACB1-E17C63E747B5}" dt="2021-05-29T12:07:18.972" v="4356" actId="478"/>
+          <ac:spMkLst>
+            <pc:docMk/>
+            <pc:sldMk cId="911491820" sldId="259"/>
+            <ac:spMk id="13" creationId="{AE50971F-A511-4710-A506-B6CA718D12CE}"/>
           </ac:spMkLst>
         </pc:spChg>
         <pc:spChg chg="add del">
@@ -449,7 +546,7 @@
           </ac:picMkLst>
         </pc:picChg>
         <pc:picChg chg="add mod ord">
-          <ac:chgData name="Andi Fugard" userId="082e0584b87bc5c4" providerId="LiveId" clId="{6366549D-2D6C-4723-ACB1-E17C63E747B5}" dt="2021-05-01T09:44:31.408" v="923" actId="1076"/>
+          <ac:chgData name="Andi Fugard" userId="082e0584b87bc5c4" providerId="LiveId" clId="{6366549D-2D6C-4723-ACB1-E17C63E747B5}" dt="2021-05-29T12:06:23.375" v="4340" actId="1076"/>
           <ac:picMkLst>
             <pc:docMk/>
             <pc:sldMk cId="911491820" sldId="259"/>
@@ -891,7 +988,7 @@
         </pc:picChg>
       </pc:sldChg>
       <pc:sldChg chg="addSp delSp modSp new mod setBg modClrScheme chgLayout">
-        <pc:chgData name="Andi Fugard" userId="082e0584b87bc5c4" providerId="LiveId" clId="{6366549D-2D6C-4723-ACB1-E17C63E747B5}" dt="2021-05-02T10:49:39.799" v="3951" actId="20577"/>
+        <pc:chgData name="Andi Fugard" userId="082e0584b87bc5c4" providerId="LiveId" clId="{6366549D-2D6C-4723-ACB1-E17C63E747B5}" dt="2021-05-29T12:30:09.389" v="4378" actId="114"/>
         <pc:sldMkLst>
           <pc:docMk/>
           <pc:sldMk cId="939574779" sldId="275"/>
@@ -953,7 +1050,7 @@
           </ac:graphicFrameMkLst>
         </pc:graphicFrameChg>
         <pc:graphicFrameChg chg="add mod ord modGraphic">
-          <ac:chgData name="Andi Fugard" userId="082e0584b87bc5c4" providerId="LiveId" clId="{6366549D-2D6C-4723-ACB1-E17C63E747B5}" dt="2021-05-02T10:49:39.799" v="3951" actId="20577"/>
+          <ac:chgData name="Andi Fugard" userId="082e0584b87bc5c4" providerId="LiveId" clId="{6366549D-2D6C-4723-ACB1-E17C63E747B5}" dt="2021-05-29T12:30:09.389" v="4378" actId="114"/>
           <ac:graphicFrameMkLst>
             <pc:docMk/>
             <pc:sldMk cId="939574779" sldId="275"/>
@@ -1000,7 +1097,7 @@
         </pc:picChg>
       </pc:sldChg>
       <pc:sldChg chg="addSp delSp modSp new mod">
-        <pc:chgData name="Andi Fugard" userId="082e0584b87bc5c4" providerId="LiveId" clId="{6366549D-2D6C-4723-ACB1-E17C63E747B5}" dt="2021-05-01T20:29:55.345" v="3689" actId="1076"/>
+        <pc:chgData name="Andi Fugard" userId="082e0584b87bc5c4" providerId="LiveId" clId="{6366549D-2D6C-4723-ACB1-E17C63E747B5}" dt="2021-05-29T12:11:02.458" v="4366" actId="14100"/>
         <pc:sldMkLst>
           <pc:docMk/>
           <pc:sldMk cId="801745491" sldId="278"/>
@@ -1013,44 +1110,52 @@
             <ac:spMk id="4" creationId="{0A95B790-8C03-47BD-8DEC-FCB4A5A3CB78}"/>
           </ac:spMkLst>
         </pc:spChg>
-        <pc:spChg chg="add mod">
-          <ac:chgData name="Andi Fugard" userId="082e0584b87bc5c4" providerId="LiveId" clId="{6366549D-2D6C-4723-ACB1-E17C63E747B5}" dt="2021-05-01T20:29:27.458" v="3685" actId="1076"/>
+        <pc:spChg chg="add del mod">
+          <ac:chgData name="Andi Fugard" userId="082e0584b87bc5c4" providerId="LiveId" clId="{6366549D-2D6C-4723-ACB1-E17C63E747B5}" dt="2021-05-29T11:56:58.737" v="4018" actId="478"/>
           <ac:spMkLst>
             <pc:docMk/>
             <pc:sldMk cId="801745491" sldId="278"/>
             <ac:spMk id="7" creationId="{E8853965-10C0-4233-939B-58AF70366C87}"/>
           </ac:spMkLst>
         </pc:spChg>
-        <pc:spChg chg="add mod">
-          <ac:chgData name="Andi Fugard" userId="082e0584b87bc5c4" providerId="LiveId" clId="{6366549D-2D6C-4723-ACB1-E17C63E747B5}" dt="2021-05-01T20:29:42.222" v="3687" actId="1076"/>
+        <pc:spChg chg="add del mod">
+          <ac:chgData name="Andi Fugard" userId="082e0584b87bc5c4" providerId="LiveId" clId="{6366549D-2D6C-4723-ACB1-E17C63E747B5}" dt="2021-05-29T11:57:09.524" v="4022" actId="478"/>
           <ac:spMkLst>
             <pc:docMk/>
             <pc:sldMk cId="801745491" sldId="278"/>
             <ac:spMk id="8" creationId="{A0977F12-7DC6-4B05-82AF-F92E8DEBBB3C}"/>
           </ac:spMkLst>
         </pc:spChg>
-        <pc:spChg chg="add mod">
-          <ac:chgData name="Andi Fugard" userId="082e0584b87bc5c4" providerId="LiveId" clId="{6366549D-2D6C-4723-ACB1-E17C63E747B5}" dt="2021-05-01T20:29:55.345" v="3689" actId="1076"/>
+        <pc:spChg chg="add del mod">
+          <ac:chgData name="Andi Fugard" userId="082e0584b87bc5c4" providerId="LiveId" clId="{6366549D-2D6C-4723-ACB1-E17C63E747B5}" dt="2021-05-29T11:57:13.224" v="4023" actId="478"/>
           <ac:spMkLst>
             <pc:docMk/>
             <pc:sldMk cId="801745491" sldId="278"/>
             <ac:spMk id="9" creationId="{D9C42BF5-C6E0-468F-AFFB-8755AE931723}"/>
           </ac:spMkLst>
         </pc:spChg>
-        <pc:picChg chg="add mod">
-          <ac:chgData name="Andi Fugard" userId="082e0584b87bc5c4" providerId="LiveId" clId="{6366549D-2D6C-4723-ACB1-E17C63E747B5}" dt="2021-05-01T20:28:22.037" v="3670" actId="1076"/>
+        <pc:picChg chg="add mod modCrop">
+          <ac:chgData name="Andi Fugard" userId="082e0584b87bc5c4" providerId="LiveId" clId="{6366549D-2D6C-4723-ACB1-E17C63E747B5}" dt="2021-05-29T12:11:02.458" v="4366" actId="14100"/>
           <ac:picMkLst>
             <pc:docMk/>
             <pc:sldMk cId="801745491" sldId="278"/>
             <ac:picMk id="3" creationId="{B3126E36-43F2-4C49-A62D-8CF5A358506C}"/>
           </ac:picMkLst>
         </pc:picChg>
-        <pc:picChg chg="add mod">
-          <ac:chgData name="Andi Fugard" userId="082e0584b87bc5c4" providerId="LiveId" clId="{6366549D-2D6C-4723-ACB1-E17C63E747B5}" dt="2021-05-01T20:29:09.739" v="3678" actId="1076"/>
+        <pc:picChg chg="add mod modCrop">
+          <ac:chgData name="Andi Fugard" userId="082e0584b87bc5c4" providerId="LiveId" clId="{6366549D-2D6C-4723-ACB1-E17C63E747B5}" dt="2021-05-29T12:02:59.690" v="4189" actId="1038"/>
           <ac:picMkLst>
             <pc:docMk/>
             <pc:sldMk cId="801745491" sldId="278"/>
             <ac:picMk id="6" creationId="{CE8BBF6E-DA78-48A8-8FB7-05EF21D950AE}"/>
+          </ac:picMkLst>
+        </pc:picChg>
+        <pc:picChg chg="add del mod ord modCrop">
+          <ac:chgData name="Andi Fugard" userId="082e0584b87bc5c4" providerId="LiveId" clId="{6366549D-2D6C-4723-ACB1-E17C63E747B5}" dt="2021-05-29T12:02:46.978" v="4185" actId="1076"/>
+          <ac:picMkLst>
+            <pc:docMk/>
+            <pc:sldMk cId="801745491" sldId="278"/>
+            <ac:picMk id="10" creationId="{C7BD08D6-1571-4656-94D0-87425BA1DE6C}"/>
           </ac:picMkLst>
         </pc:picChg>
       </pc:sldChg>
@@ -1360,6 +1465,141 @@
             <pc:docMk/>
             <pc:sldMk cId="1979886951" sldId="281"/>
             <ac:picMk id="7" creationId="{27CEE12F-1AAC-42A5-844E-4FBC915A71E2}"/>
+          </ac:picMkLst>
+        </pc:picChg>
+      </pc:sldChg>
+      <pc:sldChg chg="addSp delSp modSp new mod setBg">
+        <pc:chgData name="Andi Fugard" userId="082e0584b87bc5c4" providerId="LiveId" clId="{6366549D-2D6C-4723-ACB1-E17C63E747B5}" dt="2021-05-29T12:26:19.580" v="4375" actId="26606"/>
+        <pc:sldMkLst>
+          <pc:docMk/>
+          <pc:sldMk cId="1409395013" sldId="282"/>
+        </pc:sldMkLst>
+        <pc:spChg chg="add del">
+          <ac:chgData name="Andi Fugard" userId="082e0584b87bc5c4" providerId="LiveId" clId="{6366549D-2D6C-4723-ACB1-E17C63E747B5}" dt="2021-05-29T12:26:18.872" v="4372" actId="26606"/>
+          <ac:spMkLst>
+            <pc:docMk/>
+            <pc:sldMk cId="1409395013" sldId="282"/>
+            <ac:spMk id="8" creationId="{AB8C311F-7253-4AED-9701-7FC0708C41C7}"/>
+          </ac:spMkLst>
+        </pc:spChg>
+        <pc:spChg chg="add del">
+          <ac:chgData name="Andi Fugard" userId="082e0584b87bc5c4" providerId="LiveId" clId="{6366549D-2D6C-4723-ACB1-E17C63E747B5}" dt="2021-05-29T12:26:18.872" v="4372" actId="26606"/>
+          <ac:spMkLst>
+            <pc:docMk/>
+            <pc:sldMk cId="1409395013" sldId="282"/>
+            <ac:spMk id="10" creationId="{E2384209-CB15-4CDF-9D31-C44FD9A3F20D}"/>
+          </ac:spMkLst>
+        </pc:spChg>
+        <pc:spChg chg="add del">
+          <ac:chgData name="Andi Fugard" userId="082e0584b87bc5c4" providerId="LiveId" clId="{6366549D-2D6C-4723-ACB1-E17C63E747B5}" dt="2021-05-29T12:26:18.872" v="4372" actId="26606"/>
+          <ac:spMkLst>
+            <pc:docMk/>
+            <pc:sldMk cId="1409395013" sldId="282"/>
+            <ac:spMk id="12" creationId="{2633B3B5-CC90-43F0-8714-D31D1F3F0209}"/>
+          </ac:spMkLst>
+        </pc:spChg>
+        <pc:spChg chg="add del">
+          <ac:chgData name="Andi Fugard" userId="082e0584b87bc5c4" providerId="LiveId" clId="{6366549D-2D6C-4723-ACB1-E17C63E747B5}" dt="2021-05-29T12:26:18.872" v="4372" actId="26606"/>
+          <ac:spMkLst>
+            <pc:docMk/>
+            <pc:sldMk cId="1409395013" sldId="282"/>
+            <ac:spMk id="14" creationId="{A8D57A06-A426-446D-B02C-A2DC6B62E45E}"/>
+          </ac:spMkLst>
+        </pc:spChg>
+        <pc:spChg chg="add del">
+          <ac:chgData name="Andi Fugard" userId="082e0584b87bc5c4" providerId="LiveId" clId="{6366549D-2D6C-4723-ACB1-E17C63E747B5}" dt="2021-05-29T12:26:19.571" v="4374" actId="26606"/>
+          <ac:spMkLst>
+            <pc:docMk/>
+            <pc:sldMk cId="1409395013" sldId="282"/>
+            <ac:spMk id="16" creationId="{9A97C86A-04D6-40F7-AE84-31AB43E6A846}"/>
+          </ac:spMkLst>
+        </pc:spChg>
+        <pc:spChg chg="add del">
+          <ac:chgData name="Andi Fugard" userId="082e0584b87bc5c4" providerId="LiveId" clId="{6366549D-2D6C-4723-ACB1-E17C63E747B5}" dt="2021-05-29T12:26:19.571" v="4374" actId="26606"/>
+          <ac:spMkLst>
+            <pc:docMk/>
+            <pc:sldMk cId="1409395013" sldId="282"/>
+            <ac:spMk id="17" creationId="{F3060C83-F051-4F0E-ABAD-AA0DFC48B218}"/>
+          </ac:spMkLst>
+        </pc:spChg>
+        <pc:spChg chg="add del">
+          <ac:chgData name="Andi Fugard" userId="082e0584b87bc5c4" providerId="LiveId" clId="{6366549D-2D6C-4723-ACB1-E17C63E747B5}" dt="2021-05-29T12:26:19.571" v="4374" actId="26606"/>
+          <ac:spMkLst>
+            <pc:docMk/>
+            <pc:sldMk cId="1409395013" sldId="282"/>
+            <ac:spMk id="18" creationId="{FF9F2414-84E8-453E-B1F3-389FDE8192D9}"/>
+          </ac:spMkLst>
+        </pc:spChg>
+        <pc:spChg chg="add del">
+          <ac:chgData name="Andi Fugard" userId="082e0584b87bc5c4" providerId="LiveId" clId="{6366549D-2D6C-4723-ACB1-E17C63E747B5}" dt="2021-05-29T12:26:19.571" v="4374" actId="26606"/>
+          <ac:spMkLst>
+            <pc:docMk/>
+            <pc:sldMk cId="1409395013" sldId="282"/>
+            <ac:spMk id="19" creationId="{83C98ABE-055B-441F-B07E-44F97F083C39}"/>
+          </ac:spMkLst>
+        </pc:spChg>
+        <pc:spChg chg="add del">
+          <ac:chgData name="Andi Fugard" userId="082e0584b87bc5c4" providerId="LiveId" clId="{6366549D-2D6C-4723-ACB1-E17C63E747B5}" dt="2021-05-29T12:26:19.571" v="4374" actId="26606"/>
+          <ac:spMkLst>
+            <pc:docMk/>
+            <pc:sldMk cId="1409395013" sldId="282"/>
+            <ac:spMk id="20" creationId="{3ECA69A1-7536-43AC-85EF-C7106179F5ED}"/>
+          </ac:spMkLst>
+        </pc:spChg>
+        <pc:spChg chg="add del">
+          <ac:chgData name="Andi Fugard" userId="082e0584b87bc5c4" providerId="LiveId" clId="{6366549D-2D6C-4723-ACB1-E17C63E747B5}" dt="2021-05-29T12:26:19.571" v="4374" actId="26606"/>
+          <ac:spMkLst>
+            <pc:docMk/>
+            <pc:sldMk cId="1409395013" sldId="282"/>
+            <ac:spMk id="21" creationId="{29FDB030-9B49-4CED-8CCD-4D99382388AC}"/>
+          </ac:spMkLst>
+        </pc:spChg>
+        <pc:spChg chg="add del">
+          <ac:chgData name="Andi Fugard" userId="082e0584b87bc5c4" providerId="LiveId" clId="{6366549D-2D6C-4723-ACB1-E17C63E747B5}" dt="2021-05-29T12:26:19.571" v="4374" actId="26606"/>
+          <ac:spMkLst>
+            <pc:docMk/>
+            <pc:sldMk cId="1409395013" sldId="282"/>
+            <ac:spMk id="22" creationId="{3783CA14-24A1-485C-8B30-D6A5D87987AD}"/>
+          </ac:spMkLst>
+        </pc:spChg>
+        <pc:spChg chg="add">
+          <ac:chgData name="Andi Fugard" userId="082e0584b87bc5c4" providerId="LiveId" clId="{6366549D-2D6C-4723-ACB1-E17C63E747B5}" dt="2021-05-29T12:26:19.580" v="4375" actId="26606"/>
+          <ac:spMkLst>
+            <pc:docMk/>
+            <pc:sldMk cId="1409395013" sldId="282"/>
+            <ac:spMk id="24" creationId="{AB8C311F-7253-4AED-9701-7FC0708C41C7}"/>
+          </ac:spMkLst>
+        </pc:spChg>
+        <pc:spChg chg="add">
+          <ac:chgData name="Andi Fugard" userId="082e0584b87bc5c4" providerId="LiveId" clId="{6366549D-2D6C-4723-ACB1-E17C63E747B5}" dt="2021-05-29T12:26:19.580" v="4375" actId="26606"/>
+          <ac:spMkLst>
+            <pc:docMk/>
+            <pc:sldMk cId="1409395013" sldId="282"/>
+            <ac:spMk id="25" creationId="{E2384209-CB15-4CDF-9D31-C44FD9A3F20D}"/>
+          </ac:spMkLst>
+        </pc:spChg>
+        <pc:spChg chg="add">
+          <ac:chgData name="Andi Fugard" userId="082e0584b87bc5c4" providerId="LiveId" clId="{6366549D-2D6C-4723-ACB1-E17C63E747B5}" dt="2021-05-29T12:26:19.580" v="4375" actId="26606"/>
+          <ac:spMkLst>
+            <pc:docMk/>
+            <pc:sldMk cId="1409395013" sldId="282"/>
+            <ac:spMk id="26" creationId="{2633B3B5-CC90-43F0-8714-D31D1F3F0209}"/>
+          </ac:spMkLst>
+        </pc:spChg>
+        <pc:spChg chg="add">
+          <ac:chgData name="Andi Fugard" userId="082e0584b87bc5c4" providerId="LiveId" clId="{6366549D-2D6C-4723-ACB1-E17C63E747B5}" dt="2021-05-29T12:26:19.580" v="4375" actId="26606"/>
+          <ac:spMkLst>
+            <pc:docMk/>
+            <pc:sldMk cId="1409395013" sldId="282"/>
+            <ac:spMk id="27" creationId="{A8D57A06-A426-446D-B02C-A2DC6B62E45E}"/>
+          </ac:spMkLst>
+        </pc:spChg>
+        <pc:picChg chg="add mod">
+          <ac:chgData name="Andi Fugard" userId="082e0584b87bc5c4" providerId="LiveId" clId="{6366549D-2D6C-4723-ACB1-E17C63E747B5}" dt="2021-05-29T12:26:19.580" v="4375" actId="26606"/>
+          <ac:picMkLst>
+            <pc:docMk/>
+            <pc:sldMk cId="1409395013" sldId="282"/>
+            <ac:picMk id="3" creationId="{CD3B8777-7815-4415-86BA-79DEAB2DF515}"/>
           </ac:picMkLst>
         </pc:picChg>
       </pc:sldChg>
@@ -1450,7 +1690,7 @@
           <a:p>
             <a:fld id="{6396EC3B-81F8-4833-AF91-0E395FDADE4C}" type="datetimeFigureOut">
               <a:rPr lang="en-GB" smtClean="0"/>
-              <a:t>01/05/2021</a:t>
+              <a:t>29/05/2021</a:t>
             </a:fld>
             <a:endParaRPr lang="en-GB"/>
           </a:p>
@@ -1783,7 +2023,7 @@
           <a:p>
             <a:fld id="{2E02BBD2-5496-416B-9DC7-29121F201F2A}" type="slidenum">
               <a:rPr lang="en-GB" smtClean="0"/>
-              <a:t>6</a:t>
+              <a:t>7</a:t>
             </a:fld>
             <a:endParaRPr lang="en-GB"/>
           </a:p>
@@ -1951,7 +2191,7 @@
           <a:p>
             <a:fld id="{16728762-28CD-4383-A840-C7754C57232F}" type="datetimeFigureOut">
               <a:rPr lang="en-GB" smtClean="0"/>
-              <a:t>01/05/2021</a:t>
+              <a:t>29/05/2021</a:t>
             </a:fld>
             <a:endParaRPr lang="en-GB"/>
           </a:p>
@@ -2151,7 +2391,7 @@
           <a:p>
             <a:fld id="{16728762-28CD-4383-A840-C7754C57232F}" type="datetimeFigureOut">
               <a:rPr lang="en-GB" smtClean="0"/>
-              <a:t>01/05/2021</a:t>
+              <a:t>29/05/2021</a:t>
             </a:fld>
             <a:endParaRPr lang="en-GB"/>
           </a:p>
@@ -2361,7 +2601,7 @@
           <a:p>
             <a:fld id="{16728762-28CD-4383-A840-C7754C57232F}" type="datetimeFigureOut">
               <a:rPr lang="en-GB" smtClean="0"/>
-              <a:t>01/05/2021</a:t>
+              <a:t>29/05/2021</a:t>
             </a:fld>
             <a:endParaRPr lang="en-GB"/>
           </a:p>
@@ -2561,7 +2801,7 @@
           <a:p>
             <a:fld id="{16728762-28CD-4383-A840-C7754C57232F}" type="datetimeFigureOut">
               <a:rPr lang="en-GB" smtClean="0"/>
-              <a:t>01/05/2021</a:t>
+              <a:t>29/05/2021</a:t>
             </a:fld>
             <a:endParaRPr lang="en-GB"/>
           </a:p>
@@ -2837,7 +3077,7 @@
           <a:p>
             <a:fld id="{16728762-28CD-4383-A840-C7754C57232F}" type="datetimeFigureOut">
               <a:rPr lang="en-GB" smtClean="0"/>
-              <a:t>01/05/2021</a:t>
+              <a:t>29/05/2021</a:t>
             </a:fld>
             <a:endParaRPr lang="en-GB"/>
           </a:p>
@@ -3105,7 +3345,7 @@
           <a:p>
             <a:fld id="{16728762-28CD-4383-A840-C7754C57232F}" type="datetimeFigureOut">
               <a:rPr lang="en-GB" smtClean="0"/>
-              <a:t>01/05/2021</a:t>
+              <a:t>29/05/2021</a:t>
             </a:fld>
             <a:endParaRPr lang="en-GB"/>
           </a:p>
@@ -3520,7 +3760,7 @@
           <a:p>
             <a:fld id="{16728762-28CD-4383-A840-C7754C57232F}" type="datetimeFigureOut">
               <a:rPr lang="en-GB" smtClean="0"/>
-              <a:t>01/05/2021</a:t>
+              <a:t>29/05/2021</a:t>
             </a:fld>
             <a:endParaRPr lang="en-GB"/>
           </a:p>
@@ -3662,7 +3902,7 @@
           <a:p>
             <a:fld id="{16728762-28CD-4383-A840-C7754C57232F}" type="datetimeFigureOut">
               <a:rPr lang="en-GB" smtClean="0"/>
-              <a:t>01/05/2021</a:t>
+              <a:t>29/05/2021</a:t>
             </a:fld>
             <a:endParaRPr lang="en-GB"/>
           </a:p>
@@ -3775,7 +4015,7 @@
           <a:p>
             <a:fld id="{16728762-28CD-4383-A840-C7754C57232F}" type="datetimeFigureOut">
               <a:rPr lang="en-GB" smtClean="0"/>
-              <a:t>01/05/2021</a:t>
+              <a:t>29/05/2021</a:t>
             </a:fld>
             <a:endParaRPr lang="en-GB"/>
           </a:p>
@@ -4088,7 +4328,7 @@
           <a:p>
             <a:fld id="{16728762-28CD-4383-A840-C7754C57232F}" type="datetimeFigureOut">
               <a:rPr lang="en-GB" smtClean="0"/>
-              <a:t>01/05/2021</a:t>
+              <a:t>29/05/2021</a:t>
             </a:fld>
             <a:endParaRPr lang="en-GB"/>
           </a:p>
@@ -4377,7 +4617,7 @@
           <a:p>
             <a:fld id="{16728762-28CD-4383-A840-C7754C57232F}" type="datetimeFigureOut">
               <a:rPr lang="en-GB" smtClean="0"/>
-              <a:t>01/05/2021</a:t>
+              <a:t>29/05/2021</a:t>
             </a:fld>
             <a:endParaRPr lang="en-GB"/>
           </a:p>
@@ -4620,7 +4860,7 @@
           <a:p>
             <a:fld id="{16728762-28CD-4383-A840-C7754C57232F}" type="datetimeFigureOut">
               <a:rPr lang="en-GB" smtClean="0"/>
-              <a:t>01/05/2021</a:t>
+              <a:t>29/05/2021</a:t>
             </a:fld>
             <a:endParaRPr lang="en-GB"/>
           </a:p>
@@ -5738,6 +5978,177 @@
       </p:grpSpPr>
       <p:sp>
         <p:nvSpPr>
+          <p:cNvPr id="12" name="Rectangle 11">
+            <a:extLst>
+              <a:ext uri="{FF2B5EF4-FFF2-40B4-BE49-F238E27FC236}">
+                <a16:creationId xmlns:a16="http://schemas.microsoft.com/office/drawing/2014/main" id="{A4AC5506-6312-4701-8D3C-40187889A947}"/>
+              </a:ext>
+              <a:ext uri="{C183D7F6-B498-43B3-948B-1728B52AA6E4}">
+                <adec:decorative xmlns:adec="http://schemas.microsoft.com/office/drawing/2017/decorative" val="1"/>
+              </a:ext>
+            </a:extLst>
+          </p:cNvPr>
+          <p:cNvSpPr>
+            <a:spLocks noGrp="1" noRot="1" noChangeAspect="1" noMove="1" noResize="1" noEditPoints="1" noAdjustHandles="1" noChangeArrowheads="1" noChangeShapeType="1" noTextEdit="1"/>
+          </p:cNvSpPr>
+          <p:nvPr>
+            <p:extLst>
+              <p:ext uri="{386F3935-93C4-4BCD-93E2-E3B085C9AB24}">
+                <p16:designElem xmlns:p16="http://schemas.microsoft.com/office/powerpoint/2015/main" val="1"/>
+              </p:ext>
+            </p:extLst>
+          </p:nvPr>
+        </p:nvSpPr>
+        <p:spPr>
+          <a:xfrm>
+            <a:off x="0" y="651752"/>
+            <a:ext cx="12192000" cy="736551"/>
+          </a:xfrm>
+          <a:prstGeom prst="rect">
+            <a:avLst/>
+          </a:prstGeom>
+          <a:solidFill>
+            <a:schemeClr val="tx1"/>
+          </a:solidFill>
+          <a:ln>
+            <a:noFill/>
+          </a:ln>
+        </p:spPr>
+        <p:style>
+          <a:lnRef idx="2">
+            <a:schemeClr val="accent1">
+              <a:shade val="50000"/>
+            </a:schemeClr>
+          </a:lnRef>
+          <a:fillRef idx="1">
+            <a:schemeClr val="accent1"/>
+          </a:fillRef>
+          <a:effectRef idx="0">
+            <a:schemeClr val="accent1"/>
+          </a:effectRef>
+          <a:fontRef idx="minor">
+            <a:schemeClr val="lt1"/>
+          </a:fontRef>
+        </p:style>
+        <p:txBody>
+          <a:bodyPr rtlCol="0" anchor="ctr"/>
+          <a:lstStyle/>
+          <a:p>
+            <a:pPr algn="ctr"/>
+            <a:endParaRPr lang="en-US"/>
+          </a:p>
+        </p:txBody>
+      </p:sp>
+      <p:sp>
+        <p:nvSpPr>
+          <p:cNvPr id="2" name="Title 1">
+            <a:extLst>
+              <a:ext uri="{FF2B5EF4-FFF2-40B4-BE49-F238E27FC236}">
+                <a16:creationId xmlns:a16="http://schemas.microsoft.com/office/drawing/2014/main" id="{BA2925BF-C0FA-4927-ABA5-134027B589CE}"/>
+              </a:ext>
+            </a:extLst>
+          </p:cNvPr>
+          <p:cNvSpPr>
+            <a:spLocks noGrp="1"/>
+          </p:cNvSpPr>
+          <p:nvPr>
+            <p:ph type="title"/>
+          </p:nvPr>
+        </p:nvSpPr>
+        <p:spPr>
+          <a:xfrm>
+            <a:off x="556532" y="643467"/>
+            <a:ext cx="11210925" cy="744836"/>
+          </a:xfrm>
+        </p:spPr>
+        <p:txBody>
+          <a:bodyPr>
+            <a:normAutofit/>
+          </a:bodyPr>
+          <a:lstStyle/>
+          <a:p>
+            <a:pPr algn="ctr"/>
+            <a:r>
+              <a:rPr lang="en-GB" sz="3200">
+                <a:solidFill>
+                  <a:schemeClr val="bg1"/>
+                </a:solidFill>
+              </a:rPr>
+              <a:t>Externalist approaches (social position)</a:t>
+            </a:r>
+          </a:p>
+        </p:txBody>
+      </p:sp>
+      <p:pic>
+        <p:nvPicPr>
+          <p:cNvPr id="7" name="Picture 6">
+            <a:extLst>
+              <a:ext uri="{FF2B5EF4-FFF2-40B4-BE49-F238E27FC236}">
+                <a16:creationId xmlns:a16="http://schemas.microsoft.com/office/drawing/2014/main" id="{9B65C113-5DFA-40C0-9F7C-3DD538E871B2}"/>
+              </a:ext>
+            </a:extLst>
+          </p:cNvPr>
+          <p:cNvPicPr>
+            <a:picLocks noChangeAspect="1"/>
+          </p:cNvPicPr>
+          <p:nvPr/>
+        </p:nvPicPr>
+        <p:blipFill>
+          <a:blip r:embed="rId2"/>
+          <a:stretch>
+            <a:fillRect/>
+          </a:stretch>
+        </p:blipFill>
+        <p:spPr>
+          <a:xfrm>
+            <a:off x="98213" y="1806162"/>
+            <a:ext cx="11995573" cy="4408371"/>
+          </a:xfrm>
+          <a:prstGeom prst="rect">
+            <a:avLst/>
+          </a:prstGeom>
+        </p:spPr>
+      </p:pic>
+    </p:spTree>
+    <p:extLst>
+      <p:ext uri="{BB962C8B-B14F-4D97-AF65-F5344CB8AC3E}">
+        <p14:creationId xmlns:p14="http://schemas.microsoft.com/office/powerpoint/2010/main" val="753341366"/>
+      </p:ext>
+    </p:extLst>
+  </p:cSld>
+  <p:clrMapOvr>
+    <a:masterClrMapping/>
+  </p:clrMapOvr>
+</p:sld>
+</file>
+
+<file path=ppt/slides/slide11.xml><?xml version="1.0" encoding="utf-8"?>
+<p:sld xmlns:a="http://schemas.openxmlformats.org/drawingml/2006/main" xmlns:r="http://schemas.openxmlformats.org/officeDocument/2006/relationships" xmlns:p="http://schemas.openxmlformats.org/presentationml/2006/main">
+  <p:cSld>
+    <p:bg>
+      <p:bgPr>
+        <a:solidFill>
+          <a:schemeClr val="bg1"/>
+        </a:solidFill>
+        <a:effectLst/>
+      </p:bgPr>
+    </p:bg>
+    <p:spTree>
+      <p:nvGrpSpPr>
+        <p:cNvPr id="1" name=""/>
+        <p:cNvGrpSpPr/>
+        <p:nvPr/>
+      </p:nvGrpSpPr>
+      <p:grpSpPr>
+        <a:xfrm>
+          <a:off x="0" y="0"/>
+          <a:ext cx="0" cy="0"/>
+          <a:chOff x="0" y="0"/>
+          <a:chExt cx="0" cy="0"/>
+        </a:xfrm>
+      </p:grpSpPr>
+      <p:sp>
+        <p:nvSpPr>
           <p:cNvPr id="9" name="Rectangle 8">
             <a:extLst>
               <a:ext uri="{FF2B5EF4-FFF2-40B4-BE49-F238E27FC236}">
@@ -6331,7 +6742,7 @@
 </p:sld>
 </file>
 
-<file path=ppt/slides/slide11.xml><?xml version="1.0" encoding="utf-8"?>
+<file path=ppt/slides/slide12.xml><?xml version="1.0" encoding="utf-8"?>
 <p:sld xmlns:a="http://schemas.openxmlformats.org/drawingml/2006/main" xmlns:r="http://schemas.openxmlformats.org/officeDocument/2006/relationships" xmlns:p="http://schemas.openxmlformats.org/presentationml/2006/main">
   <p:cSld>
     <p:bg>
@@ -6493,65 +6904,6 @@
     <p:extLst>
       <p:ext uri="{BB962C8B-B14F-4D97-AF65-F5344CB8AC3E}">
         <p14:creationId xmlns:p14="http://schemas.microsoft.com/office/powerpoint/2010/main" val="3064347962"/>
-      </p:ext>
-    </p:extLst>
-  </p:cSld>
-  <p:clrMapOvr>
-    <a:masterClrMapping/>
-  </p:clrMapOvr>
-</p:sld>
-</file>
-
-<file path=ppt/slides/slide12.xml><?xml version="1.0" encoding="utf-8"?>
-<p:sld xmlns:a="http://schemas.openxmlformats.org/drawingml/2006/main" xmlns:r="http://schemas.openxmlformats.org/officeDocument/2006/relationships" xmlns:p="http://schemas.openxmlformats.org/presentationml/2006/main">
-  <p:cSld>
-    <p:spTree>
-      <p:nvGrpSpPr>
-        <p:cNvPr id="1" name=""/>
-        <p:cNvGrpSpPr/>
-        <p:nvPr/>
-      </p:nvGrpSpPr>
-      <p:grpSpPr>
-        <a:xfrm>
-          <a:off x="0" y="0"/>
-          <a:ext cx="0" cy="0"/>
-          <a:chOff x="0" y="0"/>
-          <a:chExt cx="0" cy="0"/>
-        </a:xfrm>
-      </p:grpSpPr>
-      <p:pic>
-        <p:nvPicPr>
-          <p:cNvPr id="4" name="Picture 3">
-            <a:extLst>
-              <a:ext uri="{FF2B5EF4-FFF2-40B4-BE49-F238E27FC236}">
-                <a16:creationId xmlns:a16="http://schemas.microsoft.com/office/drawing/2014/main" id="{599D4355-F144-43BE-AF59-186D02E2A1F9}"/>
-              </a:ext>
-            </a:extLst>
-          </p:cNvPr>
-          <p:cNvPicPr>
-            <a:picLocks noChangeAspect="1"/>
-          </p:cNvPicPr>
-          <p:nvPr/>
-        </p:nvPicPr>
-        <p:blipFill rotWithShape="1">
-          <a:blip r:embed="rId2"/>
-          <a:srcRect t="2771"/>
-          <a:stretch/>
-        </p:blipFill>
-        <p:spPr>
-          <a:xfrm>
-            <a:off x="166687" y="1058238"/>
-            <a:ext cx="11858625" cy="4880599"/>
-          </a:xfrm>
-          <a:prstGeom prst="rect">
-            <a:avLst/>
-          </a:prstGeom>
-        </p:spPr>
-      </p:pic>
-    </p:spTree>
-    <p:extLst>
-      <p:ext uri="{BB962C8B-B14F-4D97-AF65-F5344CB8AC3E}">
-        <p14:creationId xmlns:p14="http://schemas.microsoft.com/office/powerpoint/2010/main" val="4285287799"/>
       </p:ext>
     </p:extLst>
   </p:cSld>
@@ -6580,6 +6932,65 @@
       </p:grpSpPr>
       <p:pic>
         <p:nvPicPr>
+          <p:cNvPr id="4" name="Picture 3">
+            <a:extLst>
+              <a:ext uri="{FF2B5EF4-FFF2-40B4-BE49-F238E27FC236}">
+                <a16:creationId xmlns:a16="http://schemas.microsoft.com/office/drawing/2014/main" id="{599D4355-F144-43BE-AF59-186D02E2A1F9}"/>
+              </a:ext>
+            </a:extLst>
+          </p:cNvPr>
+          <p:cNvPicPr>
+            <a:picLocks noChangeAspect="1"/>
+          </p:cNvPicPr>
+          <p:nvPr/>
+        </p:nvPicPr>
+        <p:blipFill rotWithShape="1">
+          <a:blip r:embed="rId2"/>
+          <a:srcRect t="2771"/>
+          <a:stretch/>
+        </p:blipFill>
+        <p:spPr>
+          <a:xfrm>
+            <a:off x="166687" y="1058238"/>
+            <a:ext cx="11858625" cy="4880599"/>
+          </a:xfrm>
+          <a:prstGeom prst="rect">
+            <a:avLst/>
+          </a:prstGeom>
+        </p:spPr>
+      </p:pic>
+    </p:spTree>
+    <p:extLst>
+      <p:ext uri="{BB962C8B-B14F-4D97-AF65-F5344CB8AC3E}">
+        <p14:creationId xmlns:p14="http://schemas.microsoft.com/office/powerpoint/2010/main" val="4285287799"/>
+      </p:ext>
+    </p:extLst>
+  </p:cSld>
+  <p:clrMapOvr>
+    <a:masterClrMapping/>
+  </p:clrMapOvr>
+</p:sld>
+</file>
+
+<file path=ppt/slides/slide14.xml><?xml version="1.0" encoding="utf-8"?>
+<p:sld xmlns:a="http://schemas.openxmlformats.org/drawingml/2006/main" xmlns:r="http://schemas.openxmlformats.org/officeDocument/2006/relationships" xmlns:p="http://schemas.openxmlformats.org/presentationml/2006/main">
+  <p:cSld>
+    <p:spTree>
+      <p:nvGrpSpPr>
+        <p:cNvPr id="1" name=""/>
+        <p:cNvGrpSpPr/>
+        <p:nvPr/>
+      </p:nvGrpSpPr>
+      <p:grpSpPr>
+        <a:xfrm>
+          <a:off x="0" y="0"/>
+          <a:ext cx="0" cy="0"/>
+          <a:chOff x="0" y="0"/>
+          <a:chExt cx="0" cy="0"/>
+        </a:xfrm>
+      </p:grpSpPr>
+      <p:pic>
+        <p:nvPicPr>
           <p:cNvPr id="3" name="Picture 2">
             <a:extLst>
               <a:ext uri="{FF2B5EF4-FFF2-40B4-BE49-F238E27FC236}">
@@ -6621,7 +7032,7 @@
 </p:sld>
 </file>
 
-<file path=ppt/slides/slide14.xml><?xml version="1.0" encoding="utf-8"?>
+<file path=ppt/slides/slide15.xml><?xml version="1.0" encoding="utf-8"?>
 <p:sld xmlns:a="http://schemas.openxmlformats.org/drawingml/2006/main" xmlns:r="http://schemas.openxmlformats.org/officeDocument/2006/relationships" xmlns:p="http://schemas.openxmlformats.org/presentationml/2006/main">
   <p:cSld>
     <p:bg>
@@ -6779,7 +7190,7 @@
             <p:ph idx="1"/>
             <p:extLst>
               <p:ext uri="{D42A27DB-BD31-4B8C-83A1-F6EECF244321}">
-                <p14:modId xmlns:p14="http://schemas.microsoft.com/office/powerpoint/2010/main" val="3079812344"/>
+                <p14:modId xmlns:p14="http://schemas.microsoft.com/office/powerpoint/2010/main" val="384999357"/>
               </p:ext>
             </p:extLst>
           </p:nvPr>
@@ -6896,7 +7307,7 @@
                     <a:lstStyle/>
                     <a:p>
                       <a:r>
-                        <a:rPr lang="en-GB" sz="2000" i="1" dirty="0"/>
+                        <a:rPr lang="en-GB" sz="2000" i="0" dirty="0"/>
                         <a:t>Discomfort</a:t>
                       </a:r>
                       <a:r>
@@ -6921,7 +7332,7 @@
                     <a:p>
                       <a:r>
                         <a:rPr lang="en-GB" sz="2000" dirty="0"/>
-                        <a:t>Genderqueer people reject the idea that their way of being in the world should be seen through a binary masculine/feminine lens – not particular </a:t>
+                        <a:t>Genderqueer people reject the idea that their way of being in the world should be seen through a binary masculine/feminine lens – they don’t reject particular </a:t>
                       </a:r>
                       <a:r>
                         <a:rPr lang="en-GB" sz="2000" dirty="0" err="1"/>
@@ -6929,7 +7340,7 @@
                       </a:r>
                       <a:r>
                         <a:rPr lang="en-GB" sz="2000" dirty="0"/>
-                        <a:t>/fem expressions</a:t>
+                        <a:t>/fem gender expressions</a:t>
                       </a:r>
                     </a:p>
                   </a:txBody>
@@ -6950,7 +7361,7 @@
                       </a:r>
                       <a:r>
                         <a:rPr lang="en-GB" sz="2000" dirty="0"/>
-                        <a:t> argues we can and should do better</a:t>
+                        <a:t> wants to explore a non-linguistic definition</a:t>
                       </a:r>
                     </a:p>
                   </a:txBody>
@@ -6970,66 +7381,6 @@
     <p:extLst>
       <p:ext uri="{BB962C8B-B14F-4D97-AF65-F5344CB8AC3E}">
         <p14:creationId xmlns:p14="http://schemas.microsoft.com/office/powerpoint/2010/main" val="939574779"/>
-      </p:ext>
-    </p:extLst>
-  </p:cSld>
-  <p:clrMapOvr>
-    <a:masterClrMapping/>
-  </p:clrMapOvr>
-</p:sld>
-</file>
-
-<file path=ppt/slides/slide15.xml><?xml version="1.0" encoding="utf-8"?>
-<p:sld xmlns:a="http://schemas.openxmlformats.org/drawingml/2006/main" xmlns:r="http://schemas.openxmlformats.org/officeDocument/2006/relationships" xmlns:p="http://schemas.openxmlformats.org/presentationml/2006/main">
-  <p:cSld>
-    <p:spTree>
-      <p:nvGrpSpPr>
-        <p:cNvPr id="1" name=""/>
-        <p:cNvGrpSpPr/>
-        <p:nvPr/>
-      </p:nvGrpSpPr>
-      <p:grpSpPr>
-        <a:xfrm>
-          <a:off x="0" y="0"/>
-          <a:ext cx="0" cy="0"/>
-          <a:chOff x="0" y="0"/>
-          <a:chExt cx="0" cy="0"/>
-        </a:xfrm>
-      </p:grpSpPr>
-      <p:pic>
-        <p:nvPicPr>
-          <p:cNvPr id="3" name="Picture 2">
-            <a:extLst>
-              <a:ext uri="{FF2B5EF4-FFF2-40B4-BE49-F238E27FC236}">
-                <a16:creationId xmlns:a16="http://schemas.microsoft.com/office/drawing/2014/main" id="{97F20A7F-F625-4691-AA54-6A89B617E428}"/>
-              </a:ext>
-            </a:extLst>
-          </p:cNvPr>
-          <p:cNvPicPr>
-            <a:picLocks noChangeAspect="1"/>
-          </p:cNvPicPr>
-          <p:nvPr/>
-        </p:nvPicPr>
-        <p:blipFill>
-          <a:blip r:embed="rId2"/>
-          <a:stretch>
-            <a:fillRect/>
-          </a:stretch>
-        </p:blipFill>
-        <p:spPr>
-          <a:xfrm>
-            <a:off x="251597" y="1104575"/>
-            <a:ext cx="11688806" cy="4648849"/>
-          </a:xfrm>
-          <a:prstGeom prst="rect">
-            <a:avLst/>
-          </a:prstGeom>
-        </p:spPr>
-      </p:pic>
-    </p:spTree>
-    <p:extLst>
-      <p:ext uri="{BB962C8B-B14F-4D97-AF65-F5344CB8AC3E}">
-        <p14:creationId xmlns:p14="http://schemas.microsoft.com/office/powerpoint/2010/main" val="3818185207"/>
       </p:ext>
     </p:extLst>
   </p:cSld>
@@ -7061,7 +7412,7 @@
           <p:cNvPr id="3" name="Picture 2">
             <a:extLst>
               <a:ext uri="{FF2B5EF4-FFF2-40B4-BE49-F238E27FC236}">
-                <a16:creationId xmlns:a16="http://schemas.microsoft.com/office/drawing/2014/main" id="{B8936730-C8B2-4CB4-B027-36B1D34D3BE3}"/>
+                <a16:creationId xmlns:a16="http://schemas.microsoft.com/office/drawing/2014/main" id="{97F20A7F-F625-4691-AA54-6A89B617E428}"/>
               </a:ext>
             </a:extLst>
           </p:cNvPr>
@@ -7070,15 +7421,16 @@
           </p:cNvPicPr>
           <p:nvPr/>
         </p:nvPicPr>
-        <p:blipFill rotWithShape="1">
+        <p:blipFill>
           <a:blip r:embed="rId2"/>
-          <a:srcRect t="1736"/>
-          <a:stretch/>
+          <a:stretch>
+            <a:fillRect/>
+          </a:stretch>
         </p:blipFill>
         <p:spPr>
           <a:xfrm>
-            <a:off x="232544" y="1304818"/>
-            <a:ext cx="11726912" cy="4324764"/>
+            <a:off x="251597" y="1104575"/>
+            <a:ext cx="11688806" cy="4648849"/>
           </a:xfrm>
           <a:prstGeom prst="rect">
             <a:avLst/>
@@ -7088,7 +7440,7 @@
     </p:spTree>
     <p:extLst>
       <p:ext uri="{BB962C8B-B14F-4D97-AF65-F5344CB8AC3E}">
-        <p14:creationId xmlns:p14="http://schemas.microsoft.com/office/powerpoint/2010/main" val="1265231148"/>
+        <p14:creationId xmlns:p14="http://schemas.microsoft.com/office/powerpoint/2010/main" val="3818185207"/>
       </p:ext>
     </p:extLst>
   </p:cSld>
@@ -7120,7 +7472,7 @@
           <p:cNvPr id="3" name="Picture 2">
             <a:extLst>
               <a:ext uri="{FF2B5EF4-FFF2-40B4-BE49-F238E27FC236}">
-                <a16:creationId xmlns:a16="http://schemas.microsoft.com/office/drawing/2014/main" id="{730E962A-0781-45BE-A8EC-99ED23B276A5}"/>
+                <a16:creationId xmlns:a16="http://schemas.microsoft.com/office/drawing/2014/main" id="{B8936730-C8B2-4CB4-B027-36B1D34D3BE3}"/>
               </a:ext>
             </a:extLst>
           </p:cNvPr>
@@ -7129,16 +7481,15 @@
           </p:cNvPicPr>
           <p:nvPr/>
         </p:nvPicPr>
-        <p:blipFill>
+        <p:blipFill rotWithShape="1">
           <a:blip r:embed="rId2"/>
-          <a:stretch>
-            <a:fillRect/>
-          </a:stretch>
+          <a:srcRect t="1736"/>
+          <a:stretch/>
         </p:blipFill>
         <p:spPr>
           <a:xfrm>
-            <a:off x="518765" y="0"/>
-            <a:ext cx="11154469" cy="6858000"/>
+            <a:off x="232544" y="1304818"/>
+            <a:ext cx="11726912" cy="4324764"/>
           </a:xfrm>
           <a:prstGeom prst="rect">
             <a:avLst/>
@@ -7148,7 +7499,7 @@
     </p:spTree>
     <p:extLst>
       <p:ext uri="{BB962C8B-B14F-4D97-AF65-F5344CB8AC3E}">
-        <p14:creationId xmlns:p14="http://schemas.microsoft.com/office/powerpoint/2010/main" val="83971760"/>
+        <p14:creationId xmlns:p14="http://schemas.microsoft.com/office/powerpoint/2010/main" val="1265231148"/>
       </p:ext>
     </p:extLst>
   </p:cSld>
@@ -7180,7 +7531,7 @@
           <p:cNvPr id="3" name="Picture 2">
             <a:extLst>
               <a:ext uri="{FF2B5EF4-FFF2-40B4-BE49-F238E27FC236}">
-                <a16:creationId xmlns:a16="http://schemas.microsoft.com/office/drawing/2014/main" id="{823ADDF1-4916-4509-9C58-61045583E8D9}"/>
+                <a16:creationId xmlns:a16="http://schemas.microsoft.com/office/drawing/2014/main" id="{730E962A-0781-45BE-A8EC-99ED23B276A5}"/>
               </a:ext>
             </a:extLst>
           </p:cNvPr>
@@ -7197,181 +7548,18 @@
         </p:blipFill>
         <p:spPr>
           <a:xfrm>
-            <a:off x="106435" y="487784"/>
-            <a:ext cx="11716737" cy="2400304"/>
+            <a:off x="518765" y="0"/>
+            <a:ext cx="11154469" cy="6858000"/>
           </a:xfrm>
           <a:prstGeom prst="rect">
             <a:avLst/>
           </a:prstGeom>
         </p:spPr>
       </p:pic>
-      <p:pic>
-        <p:nvPicPr>
-          <p:cNvPr id="5" name="Picture 4">
-            <a:extLst>
-              <a:ext uri="{FF2B5EF4-FFF2-40B4-BE49-F238E27FC236}">
-                <a16:creationId xmlns:a16="http://schemas.microsoft.com/office/drawing/2014/main" id="{4DEEF7EF-0B2C-43A6-9CCD-12C7CDC7BC86}"/>
-              </a:ext>
-            </a:extLst>
-          </p:cNvPr>
-          <p:cNvPicPr>
-            <a:picLocks noChangeAspect="1"/>
-          </p:cNvPicPr>
-          <p:nvPr/>
-        </p:nvPicPr>
-        <p:blipFill>
-          <a:blip r:embed="rId3"/>
-          <a:stretch>
-            <a:fillRect/>
-          </a:stretch>
-        </p:blipFill>
-        <p:spPr>
-          <a:xfrm>
-            <a:off x="143506" y="3969912"/>
-            <a:ext cx="11642597" cy="2473034"/>
-          </a:xfrm>
-          <a:prstGeom prst="rect">
-            <a:avLst/>
-          </a:prstGeom>
-        </p:spPr>
-      </p:pic>
-      <p:cxnSp>
-        <p:nvCxnSpPr>
-          <p:cNvPr id="7" name="Straight Connector 6">
-            <a:extLst>
-              <a:ext uri="{FF2B5EF4-FFF2-40B4-BE49-F238E27FC236}">
-                <a16:creationId xmlns:a16="http://schemas.microsoft.com/office/drawing/2014/main" id="{630C8764-1B27-47DD-8C80-4703C26DC716}"/>
-              </a:ext>
-            </a:extLst>
-          </p:cNvPr>
-          <p:cNvCxnSpPr/>
-          <p:nvPr/>
-        </p:nvCxnSpPr>
-        <p:spPr>
-          <a:xfrm>
-            <a:off x="9472773" y="1571946"/>
-            <a:ext cx="1910993" cy="0"/>
-          </a:xfrm>
-          <a:prstGeom prst="line">
-            <a:avLst/>
-          </a:prstGeom>
-          <a:ln w="63500">
-            <a:solidFill>
-              <a:schemeClr val="accent2">
-                <a:alpha val="70000"/>
-              </a:schemeClr>
-            </a:solidFill>
-          </a:ln>
-        </p:spPr>
-        <p:style>
-          <a:lnRef idx="2">
-            <a:schemeClr val="accent2"/>
-          </a:lnRef>
-          <a:fillRef idx="0">
-            <a:schemeClr val="accent2"/>
-          </a:fillRef>
-          <a:effectRef idx="1">
-            <a:schemeClr val="accent2"/>
-          </a:effectRef>
-          <a:fontRef idx="minor">
-            <a:schemeClr val="tx1"/>
-          </a:fontRef>
-        </p:style>
-      </p:cxnSp>
-      <p:cxnSp>
-        <p:nvCxnSpPr>
-          <p:cNvPr id="8" name="Straight Connector 7">
-            <a:extLst>
-              <a:ext uri="{FF2B5EF4-FFF2-40B4-BE49-F238E27FC236}">
-                <a16:creationId xmlns:a16="http://schemas.microsoft.com/office/drawing/2014/main" id="{B664007B-3E51-46B4-A30E-37AD3999C2AB}"/>
-              </a:ext>
-            </a:extLst>
-          </p:cNvPr>
-          <p:cNvCxnSpPr>
-            <a:cxnSpLocks/>
-          </p:cNvCxnSpPr>
-          <p:nvPr/>
-        </p:nvCxnSpPr>
-        <p:spPr>
-          <a:xfrm>
-            <a:off x="440076" y="2155861"/>
-            <a:ext cx="1768868" cy="0"/>
-          </a:xfrm>
-          <a:prstGeom prst="line">
-            <a:avLst/>
-          </a:prstGeom>
-          <a:ln w="63500">
-            <a:solidFill>
-              <a:schemeClr val="accent2">
-                <a:alpha val="70000"/>
-              </a:schemeClr>
-            </a:solidFill>
-          </a:ln>
-        </p:spPr>
-        <p:style>
-          <a:lnRef idx="2">
-            <a:schemeClr val="accent2"/>
-          </a:lnRef>
-          <a:fillRef idx="0">
-            <a:schemeClr val="accent2"/>
-          </a:fillRef>
-          <a:effectRef idx="1">
-            <a:schemeClr val="accent2"/>
-          </a:effectRef>
-          <a:fontRef idx="minor">
-            <a:schemeClr val="tx1"/>
-          </a:fontRef>
-        </p:style>
-      </p:cxnSp>
-      <p:cxnSp>
-        <p:nvCxnSpPr>
-          <p:cNvPr id="10" name="Straight Connector 9">
-            <a:extLst>
-              <a:ext uri="{FF2B5EF4-FFF2-40B4-BE49-F238E27FC236}">
-                <a16:creationId xmlns:a16="http://schemas.microsoft.com/office/drawing/2014/main" id="{1425D393-2A43-4654-9D82-825F8416CF5E}"/>
-              </a:ext>
-            </a:extLst>
-          </p:cNvPr>
-          <p:cNvCxnSpPr>
-            <a:cxnSpLocks/>
-          </p:cNvCxnSpPr>
-          <p:nvPr/>
-        </p:nvCxnSpPr>
-        <p:spPr>
-          <a:xfrm>
-            <a:off x="440076" y="5669624"/>
-            <a:ext cx="3813425" cy="0"/>
-          </a:xfrm>
-          <a:prstGeom prst="line">
-            <a:avLst/>
-          </a:prstGeom>
-          <a:ln w="63500">
-            <a:solidFill>
-              <a:schemeClr val="accent2">
-                <a:alpha val="70000"/>
-              </a:schemeClr>
-            </a:solidFill>
-          </a:ln>
-        </p:spPr>
-        <p:style>
-          <a:lnRef idx="2">
-            <a:schemeClr val="accent2"/>
-          </a:lnRef>
-          <a:fillRef idx="0">
-            <a:schemeClr val="accent2"/>
-          </a:fillRef>
-          <a:effectRef idx="1">
-            <a:schemeClr val="accent2"/>
-          </a:effectRef>
-          <a:fontRef idx="minor">
-            <a:schemeClr val="tx1"/>
-          </a:fontRef>
-        </p:style>
-      </p:cxnSp>
     </p:spTree>
     <p:extLst>
       <p:ext uri="{BB962C8B-B14F-4D97-AF65-F5344CB8AC3E}">
-        <p14:creationId xmlns:p14="http://schemas.microsoft.com/office/powerpoint/2010/main" val="1201659739"/>
+        <p14:creationId xmlns:p14="http://schemas.microsoft.com/office/powerpoint/2010/main" val="83971760"/>
       </p:ext>
     </p:extLst>
   </p:cSld>
@@ -7403,7 +7591,7 @@
           <p:cNvPr id="3" name="Picture 2">
             <a:extLst>
               <a:ext uri="{FF2B5EF4-FFF2-40B4-BE49-F238E27FC236}">
-                <a16:creationId xmlns:a16="http://schemas.microsoft.com/office/drawing/2014/main" id="{88D91C2C-8B45-4574-B04A-EF9D72927880}"/>
+                <a16:creationId xmlns:a16="http://schemas.microsoft.com/office/drawing/2014/main" id="{823ADDF1-4916-4509-9C58-61045583E8D9}"/>
               </a:ext>
             </a:extLst>
           </p:cNvPr>
@@ -7420,18 +7608,181 @@
         </p:blipFill>
         <p:spPr>
           <a:xfrm>
-            <a:off x="265945" y="500026"/>
-            <a:ext cx="11660108" cy="5857949"/>
+            <a:off x="106435" y="487784"/>
+            <a:ext cx="11716737" cy="2400304"/>
           </a:xfrm>
           <a:prstGeom prst="rect">
             <a:avLst/>
           </a:prstGeom>
         </p:spPr>
       </p:pic>
+      <p:pic>
+        <p:nvPicPr>
+          <p:cNvPr id="5" name="Picture 4">
+            <a:extLst>
+              <a:ext uri="{FF2B5EF4-FFF2-40B4-BE49-F238E27FC236}">
+                <a16:creationId xmlns:a16="http://schemas.microsoft.com/office/drawing/2014/main" id="{4DEEF7EF-0B2C-43A6-9CCD-12C7CDC7BC86}"/>
+              </a:ext>
+            </a:extLst>
+          </p:cNvPr>
+          <p:cNvPicPr>
+            <a:picLocks noChangeAspect="1"/>
+          </p:cNvPicPr>
+          <p:nvPr/>
+        </p:nvPicPr>
+        <p:blipFill>
+          <a:blip r:embed="rId3"/>
+          <a:stretch>
+            <a:fillRect/>
+          </a:stretch>
+        </p:blipFill>
+        <p:spPr>
+          <a:xfrm>
+            <a:off x="143506" y="3969912"/>
+            <a:ext cx="11642597" cy="2473034"/>
+          </a:xfrm>
+          <a:prstGeom prst="rect">
+            <a:avLst/>
+          </a:prstGeom>
+        </p:spPr>
+      </p:pic>
+      <p:cxnSp>
+        <p:nvCxnSpPr>
+          <p:cNvPr id="7" name="Straight Connector 6">
+            <a:extLst>
+              <a:ext uri="{FF2B5EF4-FFF2-40B4-BE49-F238E27FC236}">
+                <a16:creationId xmlns:a16="http://schemas.microsoft.com/office/drawing/2014/main" id="{630C8764-1B27-47DD-8C80-4703C26DC716}"/>
+              </a:ext>
+            </a:extLst>
+          </p:cNvPr>
+          <p:cNvCxnSpPr/>
+          <p:nvPr/>
+        </p:nvCxnSpPr>
+        <p:spPr>
+          <a:xfrm>
+            <a:off x="9472773" y="1571946"/>
+            <a:ext cx="1910993" cy="0"/>
+          </a:xfrm>
+          <a:prstGeom prst="line">
+            <a:avLst/>
+          </a:prstGeom>
+          <a:ln w="63500">
+            <a:solidFill>
+              <a:schemeClr val="accent2">
+                <a:alpha val="70000"/>
+              </a:schemeClr>
+            </a:solidFill>
+          </a:ln>
+        </p:spPr>
+        <p:style>
+          <a:lnRef idx="2">
+            <a:schemeClr val="accent2"/>
+          </a:lnRef>
+          <a:fillRef idx="0">
+            <a:schemeClr val="accent2"/>
+          </a:fillRef>
+          <a:effectRef idx="1">
+            <a:schemeClr val="accent2"/>
+          </a:effectRef>
+          <a:fontRef idx="minor">
+            <a:schemeClr val="tx1"/>
+          </a:fontRef>
+        </p:style>
+      </p:cxnSp>
+      <p:cxnSp>
+        <p:nvCxnSpPr>
+          <p:cNvPr id="8" name="Straight Connector 7">
+            <a:extLst>
+              <a:ext uri="{FF2B5EF4-FFF2-40B4-BE49-F238E27FC236}">
+                <a16:creationId xmlns:a16="http://schemas.microsoft.com/office/drawing/2014/main" id="{B664007B-3E51-46B4-A30E-37AD3999C2AB}"/>
+              </a:ext>
+            </a:extLst>
+          </p:cNvPr>
+          <p:cNvCxnSpPr>
+            <a:cxnSpLocks/>
+          </p:cNvCxnSpPr>
+          <p:nvPr/>
+        </p:nvCxnSpPr>
+        <p:spPr>
+          <a:xfrm>
+            <a:off x="440076" y="2155861"/>
+            <a:ext cx="1768868" cy="0"/>
+          </a:xfrm>
+          <a:prstGeom prst="line">
+            <a:avLst/>
+          </a:prstGeom>
+          <a:ln w="63500">
+            <a:solidFill>
+              <a:schemeClr val="accent2">
+                <a:alpha val="70000"/>
+              </a:schemeClr>
+            </a:solidFill>
+          </a:ln>
+        </p:spPr>
+        <p:style>
+          <a:lnRef idx="2">
+            <a:schemeClr val="accent2"/>
+          </a:lnRef>
+          <a:fillRef idx="0">
+            <a:schemeClr val="accent2"/>
+          </a:fillRef>
+          <a:effectRef idx="1">
+            <a:schemeClr val="accent2"/>
+          </a:effectRef>
+          <a:fontRef idx="minor">
+            <a:schemeClr val="tx1"/>
+          </a:fontRef>
+        </p:style>
+      </p:cxnSp>
+      <p:cxnSp>
+        <p:nvCxnSpPr>
+          <p:cNvPr id="10" name="Straight Connector 9">
+            <a:extLst>
+              <a:ext uri="{FF2B5EF4-FFF2-40B4-BE49-F238E27FC236}">
+                <a16:creationId xmlns:a16="http://schemas.microsoft.com/office/drawing/2014/main" id="{1425D393-2A43-4654-9D82-825F8416CF5E}"/>
+              </a:ext>
+            </a:extLst>
+          </p:cNvPr>
+          <p:cNvCxnSpPr>
+            <a:cxnSpLocks/>
+          </p:cNvCxnSpPr>
+          <p:nvPr/>
+        </p:nvCxnSpPr>
+        <p:spPr>
+          <a:xfrm>
+            <a:off x="440076" y="5669624"/>
+            <a:ext cx="3813425" cy="0"/>
+          </a:xfrm>
+          <a:prstGeom prst="line">
+            <a:avLst/>
+          </a:prstGeom>
+          <a:ln w="63500">
+            <a:solidFill>
+              <a:schemeClr val="accent2">
+                <a:alpha val="70000"/>
+              </a:schemeClr>
+            </a:solidFill>
+          </a:ln>
+        </p:spPr>
+        <p:style>
+          <a:lnRef idx="2">
+            <a:schemeClr val="accent2"/>
+          </a:lnRef>
+          <a:fillRef idx="0">
+            <a:schemeClr val="accent2"/>
+          </a:fillRef>
+          <a:effectRef idx="1">
+            <a:schemeClr val="accent2"/>
+          </a:effectRef>
+          <a:fontRef idx="minor">
+            <a:schemeClr val="tx1"/>
+          </a:fontRef>
+        </p:style>
+      </p:cxnSp>
     </p:spTree>
     <p:extLst>
       <p:ext uri="{BB962C8B-B14F-4D97-AF65-F5344CB8AC3E}">
-        <p14:creationId xmlns:p14="http://schemas.microsoft.com/office/powerpoint/2010/main" val="382706850"/>
+        <p14:creationId xmlns:p14="http://schemas.microsoft.com/office/powerpoint/2010/main" val="1201659739"/>
       </p:ext>
     </p:extLst>
   </p:cSld>
@@ -8064,6 +8415,66 @@
 <file path=ppt/slides/slide20.xml><?xml version="1.0" encoding="utf-8"?>
 <p:sld xmlns:a="http://schemas.openxmlformats.org/drawingml/2006/main" xmlns:r="http://schemas.openxmlformats.org/officeDocument/2006/relationships" xmlns:p="http://schemas.openxmlformats.org/presentationml/2006/main">
   <p:cSld>
+    <p:spTree>
+      <p:nvGrpSpPr>
+        <p:cNvPr id="1" name=""/>
+        <p:cNvGrpSpPr/>
+        <p:nvPr/>
+      </p:nvGrpSpPr>
+      <p:grpSpPr>
+        <a:xfrm>
+          <a:off x="0" y="0"/>
+          <a:ext cx="0" cy="0"/>
+          <a:chOff x="0" y="0"/>
+          <a:chExt cx="0" cy="0"/>
+        </a:xfrm>
+      </p:grpSpPr>
+      <p:pic>
+        <p:nvPicPr>
+          <p:cNvPr id="3" name="Picture 2">
+            <a:extLst>
+              <a:ext uri="{FF2B5EF4-FFF2-40B4-BE49-F238E27FC236}">
+                <a16:creationId xmlns:a16="http://schemas.microsoft.com/office/drawing/2014/main" id="{88D91C2C-8B45-4574-B04A-EF9D72927880}"/>
+              </a:ext>
+            </a:extLst>
+          </p:cNvPr>
+          <p:cNvPicPr>
+            <a:picLocks noChangeAspect="1"/>
+          </p:cNvPicPr>
+          <p:nvPr/>
+        </p:nvPicPr>
+        <p:blipFill>
+          <a:blip r:embed="rId2"/>
+          <a:stretch>
+            <a:fillRect/>
+          </a:stretch>
+        </p:blipFill>
+        <p:spPr>
+          <a:xfrm>
+            <a:off x="265945" y="500026"/>
+            <a:ext cx="11660108" cy="5857949"/>
+          </a:xfrm>
+          <a:prstGeom prst="rect">
+            <a:avLst/>
+          </a:prstGeom>
+        </p:spPr>
+      </p:pic>
+    </p:spTree>
+    <p:extLst>
+      <p:ext uri="{BB962C8B-B14F-4D97-AF65-F5344CB8AC3E}">
+        <p14:creationId xmlns:p14="http://schemas.microsoft.com/office/powerpoint/2010/main" val="382706850"/>
+      </p:ext>
+    </p:extLst>
+  </p:cSld>
+  <p:clrMapOvr>
+    <a:masterClrMapping/>
+  </p:clrMapOvr>
+</p:sld>
+</file>
+
+<file path=ppt/slides/slide21.xml><?xml version="1.0" encoding="utf-8"?>
+<p:sld xmlns:a="http://schemas.openxmlformats.org/drawingml/2006/main" xmlns:r="http://schemas.openxmlformats.org/officeDocument/2006/relationships" xmlns:p="http://schemas.openxmlformats.org/presentationml/2006/main">
+  <p:cSld>
     <p:bg>
       <p:bgPr>
         <a:solidFill>
@@ -8223,96 +8634,6 @@
     <p:extLst>
       <p:ext uri="{BB962C8B-B14F-4D97-AF65-F5344CB8AC3E}">
         <p14:creationId xmlns:p14="http://schemas.microsoft.com/office/powerpoint/2010/main" val="3020312090"/>
-      </p:ext>
-    </p:extLst>
-  </p:cSld>
-  <p:clrMapOvr>
-    <a:masterClrMapping/>
-  </p:clrMapOvr>
-</p:sld>
-</file>
-
-<file path=ppt/slides/slide21.xml><?xml version="1.0" encoding="utf-8"?>
-<p:sld xmlns:a="http://schemas.openxmlformats.org/drawingml/2006/main" xmlns:r="http://schemas.openxmlformats.org/officeDocument/2006/relationships" xmlns:p="http://schemas.openxmlformats.org/presentationml/2006/main">
-  <p:cSld>
-    <p:spTree>
-      <p:nvGrpSpPr>
-        <p:cNvPr id="1" name=""/>
-        <p:cNvGrpSpPr/>
-        <p:nvPr/>
-      </p:nvGrpSpPr>
-      <p:grpSpPr>
-        <a:xfrm>
-          <a:off x="0" y="0"/>
-          <a:ext cx="0" cy="0"/>
-          <a:chOff x="0" y="0"/>
-          <a:chExt cx="0" cy="0"/>
-        </a:xfrm>
-      </p:grpSpPr>
-      <p:pic>
-        <p:nvPicPr>
-          <p:cNvPr id="3" name="Picture 2">
-            <a:extLst>
-              <a:ext uri="{FF2B5EF4-FFF2-40B4-BE49-F238E27FC236}">
-                <a16:creationId xmlns:a16="http://schemas.microsoft.com/office/drawing/2014/main" id="{542E1825-EEE4-4FD5-8692-05CC94EE2FC2}"/>
-              </a:ext>
-            </a:extLst>
-          </p:cNvPr>
-          <p:cNvPicPr>
-            <a:picLocks noChangeAspect="1"/>
-          </p:cNvPicPr>
-          <p:nvPr/>
-        </p:nvPicPr>
-        <p:blipFill>
-          <a:blip r:embed="rId2"/>
-          <a:stretch>
-            <a:fillRect/>
-          </a:stretch>
-        </p:blipFill>
-        <p:spPr>
-          <a:xfrm>
-            <a:off x="228639" y="171103"/>
-            <a:ext cx="11041016" cy="3867690"/>
-          </a:xfrm>
-          <a:prstGeom prst="rect">
-            <a:avLst/>
-          </a:prstGeom>
-        </p:spPr>
-      </p:pic>
-      <p:pic>
-        <p:nvPicPr>
-          <p:cNvPr id="5" name="Picture 4">
-            <a:extLst>
-              <a:ext uri="{FF2B5EF4-FFF2-40B4-BE49-F238E27FC236}">
-                <a16:creationId xmlns:a16="http://schemas.microsoft.com/office/drawing/2014/main" id="{48D75CC1-FDDD-42E6-B453-3A7E3219D88A}"/>
-              </a:ext>
-            </a:extLst>
-          </p:cNvPr>
-          <p:cNvPicPr>
-            <a:picLocks noChangeAspect="1"/>
-          </p:cNvPicPr>
-          <p:nvPr/>
-        </p:nvPicPr>
-        <p:blipFill>
-          <a:blip r:embed="rId3"/>
-          <a:stretch>
-            <a:fillRect/>
-          </a:stretch>
-        </p:blipFill>
-        <p:spPr>
-          <a:xfrm>
-            <a:off x="437515" y="4234002"/>
-            <a:ext cx="10860016" cy="2591162"/>
-          </a:xfrm>
-          <a:prstGeom prst="rect">
-            <a:avLst/>
-          </a:prstGeom>
-        </p:spPr>
-      </p:pic>
-    </p:spTree>
-    <p:extLst>
-      <p:ext uri="{BB962C8B-B14F-4D97-AF65-F5344CB8AC3E}">
-        <p14:creationId xmlns:p14="http://schemas.microsoft.com/office/powerpoint/2010/main" val="1499714184"/>
       </p:ext>
     </p:extLst>
   </p:cSld>
@@ -8344,7 +8665,7 @@
           <p:cNvPr id="3" name="Picture 2">
             <a:extLst>
               <a:ext uri="{FF2B5EF4-FFF2-40B4-BE49-F238E27FC236}">
-                <a16:creationId xmlns:a16="http://schemas.microsoft.com/office/drawing/2014/main" id="{2F68E7BA-A9A3-4528-8F7B-BD7F52A12D82}"/>
+                <a16:creationId xmlns:a16="http://schemas.microsoft.com/office/drawing/2014/main" id="{542E1825-EEE4-4FD5-8692-05CC94EE2FC2}"/>
               </a:ext>
             </a:extLst>
           </p:cNvPr>
@@ -8361,8 +8682,38 @@
         </p:blipFill>
         <p:spPr>
           <a:xfrm>
-            <a:off x="589781" y="942628"/>
-            <a:ext cx="11012437" cy="4972744"/>
+            <a:off x="228639" y="171103"/>
+            <a:ext cx="11041016" cy="3867690"/>
+          </a:xfrm>
+          <a:prstGeom prst="rect">
+            <a:avLst/>
+          </a:prstGeom>
+        </p:spPr>
+      </p:pic>
+      <p:pic>
+        <p:nvPicPr>
+          <p:cNvPr id="5" name="Picture 4">
+            <a:extLst>
+              <a:ext uri="{FF2B5EF4-FFF2-40B4-BE49-F238E27FC236}">
+                <a16:creationId xmlns:a16="http://schemas.microsoft.com/office/drawing/2014/main" id="{48D75CC1-FDDD-42E6-B453-3A7E3219D88A}"/>
+              </a:ext>
+            </a:extLst>
+          </p:cNvPr>
+          <p:cNvPicPr>
+            <a:picLocks noChangeAspect="1"/>
+          </p:cNvPicPr>
+          <p:nvPr/>
+        </p:nvPicPr>
+        <p:blipFill>
+          <a:blip r:embed="rId3"/>
+          <a:stretch>
+            <a:fillRect/>
+          </a:stretch>
+        </p:blipFill>
+        <p:spPr>
+          <a:xfrm>
+            <a:off x="437515" y="4234002"/>
+            <a:ext cx="10860016" cy="2591162"/>
           </a:xfrm>
           <a:prstGeom prst="rect">
             <a:avLst/>
@@ -8372,7 +8723,7 @@
     </p:spTree>
     <p:extLst>
       <p:ext uri="{BB962C8B-B14F-4D97-AF65-F5344CB8AC3E}">
-        <p14:creationId xmlns:p14="http://schemas.microsoft.com/office/powerpoint/2010/main" val="2600350523"/>
+        <p14:creationId xmlns:p14="http://schemas.microsoft.com/office/powerpoint/2010/main" val="1499714184"/>
       </p:ext>
     </p:extLst>
   </p:cSld>
@@ -8404,7 +8755,7 @@
           <p:cNvPr id="3" name="Picture 2">
             <a:extLst>
               <a:ext uri="{FF2B5EF4-FFF2-40B4-BE49-F238E27FC236}">
-                <a16:creationId xmlns:a16="http://schemas.microsoft.com/office/drawing/2014/main" id="{C424CBB1-9E66-42D7-B63E-F53D82B14CE0}"/>
+                <a16:creationId xmlns:a16="http://schemas.microsoft.com/office/drawing/2014/main" id="{2F68E7BA-A9A3-4528-8F7B-BD7F52A12D82}"/>
               </a:ext>
             </a:extLst>
           </p:cNvPr>
@@ -8421,8 +8772,8 @@
         </p:blipFill>
         <p:spPr>
           <a:xfrm>
-            <a:off x="232544" y="75732"/>
-            <a:ext cx="11726912" cy="6706536"/>
+            <a:off x="589781" y="942628"/>
+            <a:ext cx="11012437" cy="4972744"/>
           </a:xfrm>
           <a:prstGeom prst="rect">
             <a:avLst/>
@@ -8432,7 +8783,7 @@
     </p:spTree>
     <p:extLst>
       <p:ext uri="{BB962C8B-B14F-4D97-AF65-F5344CB8AC3E}">
-        <p14:creationId xmlns:p14="http://schemas.microsoft.com/office/powerpoint/2010/main" val="18291201"/>
+        <p14:creationId xmlns:p14="http://schemas.microsoft.com/office/powerpoint/2010/main" val="2600350523"/>
       </p:ext>
     </p:extLst>
   </p:cSld>
@@ -8464,6 +8815,66 @@
           <p:cNvPr id="3" name="Picture 2">
             <a:extLst>
               <a:ext uri="{FF2B5EF4-FFF2-40B4-BE49-F238E27FC236}">
+                <a16:creationId xmlns:a16="http://schemas.microsoft.com/office/drawing/2014/main" id="{C424CBB1-9E66-42D7-B63E-F53D82B14CE0}"/>
+              </a:ext>
+            </a:extLst>
+          </p:cNvPr>
+          <p:cNvPicPr>
+            <a:picLocks noChangeAspect="1"/>
+          </p:cNvPicPr>
+          <p:nvPr/>
+        </p:nvPicPr>
+        <p:blipFill>
+          <a:blip r:embed="rId2"/>
+          <a:stretch>
+            <a:fillRect/>
+          </a:stretch>
+        </p:blipFill>
+        <p:spPr>
+          <a:xfrm>
+            <a:off x="232544" y="75732"/>
+            <a:ext cx="11726912" cy="6706536"/>
+          </a:xfrm>
+          <a:prstGeom prst="rect">
+            <a:avLst/>
+          </a:prstGeom>
+        </p:spPr>
+      </p:pic>
+    </p:spTree>
+    <p:extLst>
+      <p:ext uri="{BB962C8B-B14F-4D97-AF65-F5344CB8AC3E}">
+        <p14:creationId xmlns:p14="http://schemas.microsoft.com/office/powerpoint/2010/main" val="18291201"/>
+      </p:ext>
+    </p:extLst>
+  </p:cSld>
+  <p:clrMapOvr>
+    <a:masterClrMapping/>
+  </p:clrMapOvr>
+</p:sld>
+</file>
+
+<file path=ppt/slides/slide25.xml><?xml version="1.0" encoding="utf-8"?>
+<p:sld xmlns:a="http://schemas.openxmlformats.org/drawingml/2006/main" xmlns:r="http://schemas.openxmlformats.org/officeDocument/2006/relationships" xmlns:p="http://schemas.openxmlformats.org/presentationml/2006/main">
+  <p:cSld>
+    <p:spTree>
+      <p:nvGrpSpPr>
+        <p:cNvPr id="1" name=""/>
+        <p:cNvGrpSpPr/>
+        <p:nvPr/>
+      </p:nvGrpSpPr>
+      <p:grpSpPr>
+        <a:xfrm>
+          <a:off x="0" y="0"/>
+          <a:ext cx="0" cy="0"/>
+          <a:chOff x="0" y="0"/>
+          <a:chExt cx="0" cy="0"/>
+        </a:xfrm>
+      </p:grpSpPr>
+      <p:pic>
+        <p:nvPicPr>
+          <p:cNvPr id="3" name="Picture 2">
+            <a:extLst>
+              <a:ext uri="{FF2B5EF4-FFF2-40B4-BE49-F238E27FC236}">
                 <a16:creationId xmlns:a16="http://schemas.microsoft.com/office/drawing/2014/main" id="{B93CC440-0195-45AD-B331-CF74B8C5C636}"/>
               </a:ext>
             </a:extLst>
@@ -8502,7 +8913,7 @@
 </p:sld>
 </file>
 
-<file path=ppt/slides/slide25.xml><?xml version="1.0" encoding="utf-8"?>
+<file path=ppt/slides/slide26.xml><?xml version="1.0" encoding="utf-8"?>
 <p:sld xmlns:a="http://schemas.openxmlformats.org/drawingml/2006/main" xmlns:r="http://schemas.openxmlformats.org/officeDocument/2006/relationships" xmlns:p="http://schemas.openxmlformats.org/presentationml/2006/main">
   <p:cSld>
     <p:bg>
@@ -8673,7 +9084,7 @@
 </p:sld>
 </file>
 
-<file path=ppt/slides/slide26.xml><?xml version="1.0" encoding="utf-8"?>
+<file path=ppt/slides/slide27.xml><?xml version="1.0" encoding="utf-8"?>
 <p:sld xmlns:a="http://schemas.openxmlformats.org/drawingml/2006/main" xmlns:r="http://schemas.openxmlformats.org/officeDocument/2006/relationships" xmlns:p="http://schemas.openxmlformats.org/presentationml/2006/main">
   <p:cSld>
     <p:spTree>
@@ -8734,6 +9145,379 @@
 </file>
 
 <file path=ppt/slides/slide3.xml><?xml version="1.0" encoding="utf-8"?>
+<p:sld xmlns:a="http://schemas.openxmlformats.org/drawingml/2006/main" xmlns:r="http://schemas.openxmlformats.org/officeDocument/2006/relationships" xmlns:p="http://schemas.openxmlformats.org/presentationml/2006/main">
+  <p:cSld>
+    <p:bg>
+      <p:bgPr>
+        <a:solidFill>
+          <a:schemeClr val="bg1"/>
+        </a:solidFill>
+        <a:effectLst/>
+      </p:bgPr>
+    </p:bg>
+    <p:spTree>
+      <p:nvGrpSpPr>
+        <p:cNvPr id="1" name=""/>
+        <p:cNvGrpSpPr/>
+        <p:nvPr/>
+      </p:nvGrpSpPr>
+      <p:grpSpPr>
+        <a:xfrm>
+          <a:off x="0" y="0"/>
+          <a:ext cx="0" cy="0"/>
+          <a:chOff x="0" y="0"/>
+          <a:chExt cx="0" cy="0"/>
+        </a:xfrm>
+      </p:grpSpPr>
+      <p:sp useBgFill="1">
+        <p:nvSpPr>
+          <p:cNvPr id="24" name="Rectangle 7">
+            <a:extLst>
+              <a:ext uri="{FF2B5EF4-FFF2-40B4-BE49-F238E27FC236}">
+                <a16:creationId xmlns:a16="http://schemas.microsoft.com/office/drawing/2014/main" id="{AB8C311F-7253-4AED-9701-7FC0708C41C7}"/>
+              </a:ext>
+              <a:ext uri="{C183D7F6-B498-43B3-948B-1728B52AA6E4}">
+                <adec:decorative xmlns:adec="http://schemas.microsoft.com/office/drawing/2017/decorative" val="1"/>
+              </a:ext>
+            </a:extLst>
+          </p:cNvPr>
+          <p:cNvSpPr>
+            <a:spLocks noGrp="1" noRot="1" noChangeAspect="1" noMove="1" noResize="1" noEditPoints="1" noAdjustHandles="1" noChangeArrowheads="1" noChangeShapeType="1" noTextEdit="1"/>
+          </p:cNvSpPr>
+          <p:nvPr>
+            <p:extLst>
+              <p:ext uri="{386F3935-93C4-4BCD-93E2-E3B085C9AB24}">
+                <p16:designElem xmlns:p16="http://schemas.microsoft.com/office/powerpoint/2015/main" val="1"/>
+              </p:ext>
+            </p:extLst>
+          </p:nvPr>
+        </p:nvSpPr>
+        <p:spPr>
+          <a:xfrm>
+            <a:off x="0" y="0"/>
+            <a:ext cx="12192000" cy="6858000"/>
+          </a:xfrm>
+          <a:prstGeom prst="rect">
+            <a:avLst/>
+          </a:prstGeom>
+          <a:ln w="12700" cap="flat" cmpd="sng" algn="ctr">
+            <a:noFill/>
+            <a:prstDash val="solid"/>
+            <a:miter lim="800000"/>
+          </a:ln>
+          <a:effectLst/>
+          <a:extLst>
+            <a:ext uri="{91240B29-F687-4F45-9708-019B960494DF}">
+              <a14:hiddenLine xmlns:a14="http://schemas.microsoft.com/office/drawing/2010/main" w="12700" cap="flat" cmpd="sng" algn="ctr">
+                <a:solidFill>
+                  <a:schemeClr val="accent1">
+                    <a:shade val="50000"/>
+                  </a:schemeClr>
+                </a:solidFill>
+                <a:prstDash val="solid"/>
+                <a:miter lim="800000"/>
+              </a14:hiddenLine>
+            </a:ext>
+          </a:extLst>
+        </p:spPr>
+        <p:style>
+          <a:lnRef idx="2">
+            <a:schemeClr val="accent1">
+              <a:shade val="50000"/>
+            </a:schemeClr>
+          </a:lnRef>
+          <a:fillRef idx="1">
+            <a:schemeClr val="accent1"/>
+          </a:fillRef>
+          <a:effectRef idx="0">
+            <a:schemeClr val="accent1"/>
+          </a:effectRef>
+          <a:fontRef idx="minor">
+            <a:schemeClr val="lt1"/>
+          </a:fontRef>
+        </p:style>
+        <p:txBody>
+          <a:bodyPr rtlCol="0" anchor="ctr"/>
+          <a:lstStyle/>
+          <a:p>
+            <a:pPr algn="ctr"/>
+            <a:endParaRPr lang="en-US"/>
+          </a:p>
+        </p:txBody>
+      </p:sp>
+      <p:sp>
+        <p:nvSpPr>
+          <p:cNvPr id="25" name="Rectangle 9">
+            <a:extLst>
+              <a:ext uri="{FF2B5EF4-FFF2-40B4-BE49-F238E27FC236}">
+                <a16:creationId xmlns:a16="http://schemas.microsoft.com/office/drawing/2014/main" id="{E2384209-CB15-4CDF-9D31-C44FD9A3F20D}"/>
+              </a:ext>
+              <a:ext uri="{C183D7F6-B498-43B3-948B-1728B52AA6E4}">
+                <adec:decorative xmlns:adec="http://schemas.microsoft.com/office/drawing/2017/decorative" val="1"/>
+              </a:ext>
+            </a:extLst>
+          </p:cNvPr>
+          <p:cNvSpPr>
+            <a:spLocks noGrp="1" noRot="1" noChangeAspect="1" noMove="1" noResize="1" noEditPoints="1" noAdjustHandles="1" noChangeArrowheads="1" noChangeShapeType="1" noTextEdit="1"/>
+          </p:cNvSpPr>
+          <p:nvPr>
+            <p:extLst>
+              <p:ext uri="{386F3935-93C4-4BCD-93E2-E3B085C9AB24}">
+                <p16:designElem xmlns:p16="http://schemas.microsoft.com/office/powerpoint/2015/main" val="1"/>
+              </p:ext>
+            </p:extLst>
+          </p:nvPr>
+        </p:nvSpPr>
+        <p:spPr>
+          <a:xfrm rot="16200000" flipH="1">
+            <a:off x="2666617" y="-2666188"/>
+            <a:ext cx="6858000" cy="12191233"/>
+          </a:xfrm>
+          <a:prstGeom prst="rect">
+            <a:avLst/>
+          </a:prstGeom>
+          <a:gradFill>
+            <a:gsLst>
+              <a:gs pos="8000">
+                <a:schemeClr val="accent1"/>
+              </a:gs>
+              <a:gs pos="100000">
+                <a:schemeClr val="accent1">
+                  <a:lumMod val="50000"/>
+                </a:schemeClr>
+              </a:gs>
+            </a:gsLst>
+            <a:lin ang="12000000" scaled="0"/>
+          </a:gradFill>
+          <a:ln>
+            <a:noFill/>
+          </a:ln>
+        </p:spPr>
+        <p:style>
+          <a:lnRef idx="2">
+            <a:schemeClr val="accent1">
+              <a:shade val="50000"/>
+            </a:schemeClr>
+          </a:lnRef>
+          <a:fillRef idx="1">
+            <a:schemeClr val="accent1"/>
+          </a:fillRef>
+          <a:effectRef idx="0">
+            <a:schemeClr val="accent1"/>
+          </a:effectRef>
+          <a:fontRef idx="minor">
+            <a:schemeClr val="lt1"/>
+          </a:fontRef>
+        </p:style>
+        <p:txBody>
+          <a:bodyPr rtlCol="0" anchor="ctr"/>
+          <a:lstStyle/>
+          <a:p>
+            <a:pPr algn="ctr"/>
+            <a:endParaRPr lang="en-US"/>
+          </a:p>
+        </p:txBody>
+      </p:sp>
+      <p:sp>
+        <p:nvSpPr>
+          <p:cNvPr id="26" name="Rectangle 11">
+            <a:extLst>
+              <a:ext uri="{FF2B5EF4-FFF2-40B4-BE49-F238E27FC236}">
+                <a16:creationId xmlns:a16="http://schemas.microsoft.com/office/drawing/2014/main" id="{2633B3B5-CC90-43F0-8714-D31D1F3F0209}"/>
+              </a:ext>
+              <a:ext uri="{C183D7F6-B498-43B3-948B-1728B52AA6E4}">
+                <adec:decorative xmlns:adec="http://schemas.microsoft.com/office/drawing/2017/decorative" val="1"/>
+              </a:ext>
+            </a:extLst>
+          </p:cNvPr>
+          <p:cNvSpPr>
+            <a:spLocks noGrp="1" noRot="1" noChangeAspect="1" noMove="1" noResize="1" noEditPoints="1" noAdjustHandles="1" noChangeArrowheads="1" noChangeShapeType="1" noTextEdit="1"/>
+          </p:cNvSpPr>
+          <p:nvPr>
+            <p:extLst>
+              <p:ext uri="{386F3935-93C4-4BCD-93E2-E3B085C9AB24}">
+                <p16:designElem xmlns:p16="http://schemas.microsoft.com/office/powerpoint/2015/main" val="1"/>
+              </p:ext>
+            </p:extLst>
+          </p:nvPr>
+        </p:nvSpPr>
+        <p:spPr>
+          <a:xfrm rot="10800000" flipH="1">
+            <a:off x="-2311" y="0"/>
+            <a:ext cx="9070846" cy="6857572"/>
+          </a:xfrm>
+          <a:prstGeom prst="rect">
+            <a:avLst/>
+          </a:prstGeom>
+          <a:gradFill>
+            <a:gsLst>
+              <a:gs pos="8000">
+                <a:srgbClr val="000000">
+                  <a:alpha val="52000"/>
+                </a:srgbClr>
+              </a:gs>
+              <a:gs pos="100000">
+                <a:schemeClr val="accent1"/>
+              </a:gs>
+            </a:gsLst>
+            <a:lin ang="4800000" scaled="0"/>
+          </a:gradFill>
+          <a:ln>
+            <a:noFill/>
+          </a:ln>
+        </p:spPr>
+        <p:style>
+          <a:lnRef idx="2">
+            <a:schemeClr val="accent1">
+              <a:shade val="50000"/>
+            </a:schemeClr>
+          </a:lnRef>
+          <a:fillRef idx="1">
+            <a:schemeClr val="accent1"/>
+          </a:fillRef>
+          <a:effectRef idx="0">
+            <a:schemeClr val="accent1"/>
+          </a:effectRef>
+          <a:fontRef idx="minor">
+            <a:schemeClr val="lt1"/>
+          </a:fontRef>
+        </p:style>
+        <p:txBody>
+          <a:bodyPr rtlCol="0" anchor="ctr"/>
+          <a:lstStyle/>
+          <a:p>
+            <a:pPr algn="ctr"/>
+            <a:endParaRPr lang="en-US"/>
+          </a:p>
+        </p:txBody>
+      </p:sp>
+      <p:sp>
+        <p:nvSpPr>
+          <p:cNvPr id="27" name="Rectangle 13">
+            <a:extLst>
+              <a:ext uri="{FF2B5EF4-FFF2-40B4-BE49-F238E27FC236}">
+                <a16:creationId xmlns:a16="http://schemas.microsoft.com/office/drawing/2014/main" id="{A8D57A06-A426-446D-B02C-A2DC6B62E45E}"/>
+              </a:ext>
+              <a:ext uri="{C183D7F6-B498-43B3-948B-1728B52AA6E4}">
+                <adec:decorative xmlns:adec="http://schemas.microsoft.com/office/drawing/2017/decorative" val="1"/>
+              </a:ext>
+            </a:extLst>
+          </p:cNvPr>
+          <p:cNvSpPr>
+            <a:spLocks noGrp="1" noRot="1" noChangeAspect="1" noMove="1" noResize="1" noEditPoints="1" noAdjustHandles="1" noChangeArrowheads="1" noChangeShapeType="1" noTextEdit="1"/>
+          </p:cNvSpPr>
+          <p:nvPr>
+            <p:extLst>
+              <p:ext uri="{386F3935-93C4-4BCD-93E2-E3B085C9AB24}">
+                <p16:designElem xmlns:p16="http://schemas.microsoft.com/office/powerpoint/2015/main" val="1"/>
+              </p:ext>
+            </p:extLst>
+          </p:nvPr>
+        </p:nvSpPr>
+        <p:spPr>
+          <a:xfrm rot="16200000" flipH="1">
+            <a:off x="3649491" y="-1685840"/>
+            <a:ext cx="4894564" cy="12193546"/>
+          </a:xfrm>
+          <a:prstGeom prst="rect">
+            <a:avLst/>
+          </a:prstGeom>
+          <a:gradFill>
+            <a:gsLst>
+              <a:gs pos="0">
+                <a:schemeClr val="accent5">
+                  <a:lumMod val="60000"/>
+                  <a:lumOff val="40000"/>
+                  <a:alpha val="0"/>
+                </a:schemeClr>
+              </a:gs>
+              <a:gs pos="100000">
+                <a:srgbClr val="000000">
+                  <a:alpha val="46000"/>
+                </a:srgbClr>
+              </a:gs>
+            </a:gsLst>
+            <a:lin ang="1200000" scaled="0"/>
+          </a:gradFill>
+          <a:ln>
+            <a:noFill/>
+          </a:ln>
+        </p:spPr>
+        <p:style>
+          <a:lnRef idx="2">
+            <a:schemeClr val="accent1">
+              <a:shade val="50000"/>
+            </a:schemeClr>
+          </a:lnRef>
+          <a:fillRef idx="1">
+            <a:schemeClr val="accent1"/>
+          </a:fillRef>
+          <a:effectRef idx="0">
+            <a:schemeClr val="accent1"/>
+          </a:effectRef>
+          <a:fontRef idx="minor">
+            <a:schemeClr val="lt1"/>
+          </a:fontRef>
+        </p:style>
+        <p:txBody>
+          <a:bodyPr rtlCol="0" anchor="ctr"/>
+          <a:lstStyle/>
+          <a:p>
+            <a:pPr algn="ctr"/>
+            <a:endParaRPr lang="en-US"/>
+          </a:p>
+        </p:txBody>
+      </p:sp>
+      <p:pic>
+        <p:nvPicPr>
+          <p:cNvPr id="3" name="Picture 2" descr="Graphical user interface&#10;&#10;Description automatically generated">
+            <a:extLst>
+              <a:ext uri="{FF2B5EF4-FFF2-40B4-BE49-F238E27FC236}">
+                <a16:creationId xmlns:a16="http://schemas.microsoft.com/office/drawing/2014/main" id="{CD3B8777-7815-4415-86BA-79DEAB2DF515}"/>
+              </a:ext>
+            </a:extLst>
+          </p:cNvPr>
+          <p:cNvPicPr>
+            <a:picLocks noChangeAspect="1"/>
+          </p:cNvPicPr>
+          <p:nvPr/>
+        </p:nvPicPr>
+        <p:blipFill>
+          <a:blip r:embed="rId2">
+            <a:extLst>
+              <a:ext uri="{28A0092B-C50C-407E-A947-70E740481C1C}">
+                <a14:useLocalDpi xmlns:a14="http://schemas.microsoft.com/office/drawing/2010/main" val="0"/>
+              </a:ext>
+            </a:extLst>
+          </a:blip>
+          <a:stretch>
+            <a:fillRect/>
+          </a:stretch>
+        </p:blipFill>
+        <p:spPr>
+          <a:xfrm>
+            <a:off x="3934015" y="457200"/>
+            <a:ext cx="4323969" cy="5943600"/>
+          </a:xfrm>
+          <a:prstGeom prst="rect">
+            <a:avLst/>
+          </a:prstGeom>
+        </p:spPr>
+      </p:pic>
+    </p:spTree>
+    <p:extLst>
+      <p:ext uri="{BB962C8B-B14F-4D97-AF65-F5344CB8AC3E}">
+        <p14:creationId xmlns:p14="http://schemas.microsoft.com/office/powerpoint/2010/main" val="1409395013"/>
+      </p:ext>
+    </p:extLst>
+  </p:cSld>
+  <p:clrMapOvr>
+    <a:masterClrMapping/>
+  </p:clrMapOvr>
+</p:sld>
+</file>
+
+<file path=ppt/slides/slide4.xml><?xml version="1.0" encoding="utf-8"?>
 <p:sld xmlns:a="http://schemas.openxmlformats.org/drawingml/2006/main" xmlns:r="http://schemas.openxmlformats.org/officeDocument/2006/relationships" xmlns:p="http://schemas.openxmlformats.org/presentationml/2006/main">
   <p:cSld>
     <p:spTree>
@@ -9177,7 +9961,7 @@
 </p:sld>
 </file>
 
-<file path=ppt/slides/slide4.xml><?xml version="1.0" encoding="utf-8"?>
+<file path=ppt/slides/slide5.xml><?xml version="1.0" encoding="utf-8"?>
 <p:sld xmlns:a="http://schemas.openxmlformats.org/drawingml/2006/main" xmlns:r="http://schemas.openxmlformats.org/officeDocument/2006/relationships" xmlns:p="http://schemas.openxmlformats.org/presentationml/2006/main">
   <p:cSld>
     <p:spTree>
@@ -9501,99 +10285,670 @@
           </a:extLst>
         </p:spPr>
       </p:pic>
+      <p:sp>
+        <p:nvSpPr>
+          <p:cNvPr id="2" name="TextBox 1">
+            <a:extLst>
+              <a:ext uri="{FF2B5EF4-FFF2-40B4-BE49-F238E27FC236}">
+                <a16:creationId xmlns:a16="http://schemas.microsoft.com/office/drawing/2014/main" id="{C46D4E36-B370-4B7E-9143-C723D708B688}"/>
+              </a:ext>
+            </a:extLst>
+          </p:cNvPr>
+          <p:cNvSpPr txBox="1"/>
+          <p:nvPr/>
+        </p:nvSpPr>
+        <p:spPr>
+          <a:xfrm>
+            <a:off x="9288465" y="678094"/>
+            <a:ext cx="1930915" cy="461665"/>
+          </a:xfrm>
+          <a:prstGeom prst="rect">
+            <a:avLst/>
+          </a:prstGeom>
+          <a:noFill/>
+        </p:spPr>
+        <p:txBody>
+          <a:bodyPr wrap="square" rtlCol="0">
+            <a:spAutoFit/>
+          </a:bodyPr>
+          <a:lstStyle/>
+          <a:p>
+            <a:r>
+              <a:rPr lang="en-GB" sz="2400" dirty="0"/>
+              <a:t>Trans woman</a:t>
+            </a:r>
+          </a:p>
+        </p:txBody>
+      </p:sp>
+      <p:sp>
+        <p:nvSpPr>
+          <p:cNvPr id="7" name="TextBox 6">
+            <a:extLst>
+              <a:ext uri="{FF2B5EF4-FFF2-40B4-BE49-F238E27FC236}">
+                <a16:creationId xmlns:a16="http://schemas.microsoft.com/office/drawing/2014/main" id="{67CB2944-B31B-4A6A-BA04-BA873FD84964}"/>
+              </a:ext>
+            </a:extLst>
+          </p:cNvPr>
+          <p:cNvSpPr txBox="1"/>
+          <p:nvPr/>
+        </p:nvSpPr>
+        <p:spPr>
+          <a:xfrm>
+            <a:off x="487072" y="3738080"/>
+            <a:ext cx="1930915" cy="461665"/>
+          </a:xfrm>
+          <a:prstGeom prst="rect">
+            <a:avLst/>
+          </a:prstGeom>
+          <a:noFill/>
+        </p:spPr>
+        <p:txBody>
+          <a:bodyPr wrap="square" rtlCol="0">
+            <a:spAutoFit/>
+          </a:bodyPr>
+          <a:lstStyle/>
+          <a:p>
+            <a:r>
+              <a:rPr lang="en-GB" sz="2400" dirty="0"/>
+              <a:t>Non-binary</a:t>
+            </a:r>
+          </a:p>
+        </p:txBody>
+      </p:sp>
+      <p:sp>
+        <p:nvSpPr>
+          <p:cNvPr id="8" name="TextBox 7">
+            <a:extLst>
+              <a:ext uri="{FF2B5EF4-FFF2-40B4-BE49-F238E27FC236}">
+                <a16:creationId xmlns:a16="http://schemas.microsoft.com/office/drawing/2014/main" id="{EE988499-125A-42D8-93EA-8C8F6569915B}"/>
+              </a:ext>
+            </a:extLst>
+          </p:cNvPr>
+          <p:cNvSpPr txBox="1"/>
+          <p:nvPr/>
+        </p:nvSpPr>
+        <p:spPr>
+          <a:xfrm>
+            <a:off x="146313" y="5472701"/>
+            <a:ext cx="2391400" cy="461665"/>
+          </a:xfrm>
+          <a:prstGeom prst="rect">
+            <a:avLst/>
+          </a:prstGeom>
+          <a:noFill/>
+        </p:spPr>
+        <p:txBody>
+          <a:bodyPr wrap="square" rtlCol="0">
+            <a:spAutoFit/>
+          </a:bodyPr>
+          <a:lstStyle/>
+          <a:p>
+            <a:r>
+              <a:rPr lang="en-GB" sz="2400" dirty="0"/>
+              <a:t>Trans non-binary</a:t>
+            </a:r>
+          </a:p>
+        </p:txBody>
+      </p:sp>
+      <p:sp>
+        <p:nvSpPr>
+          <p:cNvPr id="9" name="TextBox 8">
+            <a:extLst>
+              <a:ext uri="{FF2B5EF4-FFF2-40B4-BE49-F238E27FC236}">
+                <a16:creationId xmlns:a16="http://schemas.microsoft.com/office/drawing/2014/main" id="{EED7B22F-7A38-4598-B9B7-43FDD1692B11}"/>
+              </a:ext>
+            </a:extLst>
+          </p:cNvPr>
+          <p:cNvSpPr txBox="1"/>
+          <p:nvPr/>
+        </p:nvSpPr>
+        <p:spPr>
+          <a:xfrm>
+            <a:off x="9288464" y="1177358"/>
+            <a:ext cx="1930915" cy="461665"/>
+          </a:xfrm>
+          <a:prstGeom prst="rect">
+            <a:avLst/>
+          </a:prstGeom>
+          <a:noFill/>
+        </p:spPr>
+        <p:txBody>
+          <a:bodyPr wrap="square" rtlCol="0">
+            <a:spAutoFit/>
+          </a:bodyPr>
+          <a:lstStyle/>
+          <a:p>
+            <a:r>
+              <a:rPr lang="en-GB" sz="2400" dirty="0"/>
+              <a:t>Trans man</a:t>
+            </a:r>
+          </a:p>
+        </p:txBody>
+      </p:sp>
+      <p:sp>
+        <p:nvSpPr>
+          <p:cNvPr id="10" name="TextBox 9">
+            <a:extLst>
+              <a:ext uri="{FF2B5EF4-FFF2-40B4-BE49-F238E27FC236}">
+                <a16:creationId xmlns:a16="http://schemas.microsoft.com/office/drawing/2014/main" id="{CD81C349-89F9-4D4F-A4F5-31377A54385D}"/>
+              </a:ext>
+            </a:extLst>
+          </p:cNvPr>
+          <p:cNvSpPr txBox="1"/>
+          <p:nvPr/>
+        </p:nvSpPr>
+        <p:spPr>
+          <a:xfrm>
+            <a:off x="9883790" y="5680642"/>
+            <a:ext cx="1930915" cy="461665"/>
+          </a:xfrm>
+          <a:prstGeom prst="rect">
+            <a:avLst/>
+          </a:prstGeom>
+          <a:noFill/>
+        </p:spPr>
+        <p:txBody>
+          <a:bodyPr wrap="square" rtlCol="0">
+            <a:spAutoFit/>
+          </a:bodyPr>
+          <a:lstStyle/>
+          <a:p>
+            <a:r>
+              <a:rPr lang="en-GB" sz="2400" dirty="0"/>
+              <a:t>Genderqueer</a:t>
+            </a:r>
+          </a:p>
+        </p:txBody>
+      </p:sp>
+      <p:sp>
+        <p:nvSpPr>
+          <p:cNvPr id="11" name="TextBox 10">
+            <a:extLst>
+              <a:ext uri="{FF2B5EF4-FFF2-40B4-BE49-F238E27FC236}">
+                <a16:creationId xmlns:a16="http://schemas.microsoft.com/office/drawing/2014/main" id="{3B8C192A-BACA-4952-AFF9-A52FCB082ADE}"/>
+              </a:ext>
+            </a:extLst>
+          </p:cNvPr>
+          <p:cNvSpPr txBox="1"/>
+          <p:nvPr/>
+        </p:nvSpPr>
+        <p:spPr>
+          <a:xfrm>
+            <a:off x="466836" y="540064"/>
+            <a:ext cx="2391400" cy="830997"/>
+          </a:xfrm>
+          <a:prstGeom prst="rect">
+            <a:avLst/>
+          </a:prstGeom>
+          <a:noFill/>
+        </p:spPr>
+        <p:txBody>
+          <a:bodyPr wrap="square" rtlCol="0">
+            <a:spAutoFit/>
+          </a:bodyPr>
+          <a:lstStyle/>
+          <a:p>
+            <a:r>
+              <a:rPr lang="en-GB" sz="2400" dirty="0"/>
+              <a:t>Trans non-binary and genderqueer</a:t>
+            </a:r>
+          </a:p>
+        </p:txBody>
+      </p:sp>
+      <p:sp>
+        <p:nvSpPr>
+          <p:cNvPr id="3" name="Freeform: Shape 2">
+            <a:extLst>
+              <a:ext uri="{FF2B5EF4-FFF2-40B4-BE49-F238E27FC236}">
+                <a16:creationId xmlns:a16="http://schemas.microsoft.com/office/drawing/2014/main" id="{826D5C6C-98D1-42D3-80AC-6BB81EA33399}"/>
+              </a:ext>
+            </a:extLst>
+          </p:cNvPr>
+          <p:cNvSpPr/>
+          <p:nvPr/>
+        </p:nvSpPr>
+        <p:spPr>
+          <a:xfrm>
+            <a:off x="2732926" y="1314966"/>
+            <a:ext cx="2989780" cy="1777555"/>
+          </a:xfrm>
+          <a:custGeom>
+            <a:avLst/>
+            <a:gdLst>
+              <a:gd name="connsiteX0" fmla="*/ 0 w 2989780"/>
+              <a:gd name="connsiteY0" fmla="*/ 126 h 1777555"/>
+              <a:gd name="connsiteX1" fmla="*/ 1315092 w 2989780"/>
+              <a:gd name="connsiteY1" fmla="*/ 154238 h 1777555"/>
+              <a:gd name="connsiteX2" fmla="*/ 2476072 w 2989780"/>
+              <a:gd name="connsiteY2" fmla="*/ 935074 h 1777555"/>
+              <a:gd name="connsiteX3" fmla="*/ 2989780 w 2989780"/>
+              <a:gd name="connsiteY3" fmla="*/ 1777555 h 1777555"/>
+            </a:gdLst>
+            <a:ahLst/>
+            <a:cxnLst>
+              <a:cxn ang="0">
+                <a:pos x="connsiteX0" y="connsiteY0"/>
+              </a:cxn>
+              <a:cxn ang="0">
+                <a:pos x="connsiteX1" y="connsiteY1"/>
+              </a:cxn>
+              <a:cxn ang="0">
+                <a:pos x="connsiteX2" y="connsiteY2"/>
+              </a:cxn>
+              <a:cxn ang="0">
+                <a:pos x="connsiteX3" y="connsiteY3"/>
+              </a:cxn>
+            </a:cxnLst>
+            <a:rect l="l" t="t" r="r" b="b"/>
+            <a:pathLst>
+              <a:path w="2989780" h="1777555">
+                <a:moveTo>
+                  <a:pt x="0" y="126"/>
+                </a:moveTo>
+                <a:cubicBezTo>
+                  <a:pt x="451206" y="-731"/>
+                  <a:pt x="902413" y="-1587"/>
+                  <a:pt x="1315092" y="154238"/>
+                </a:cubicBezTo>
+                <a:cubicBezTo>
+                  <a:pt x="1727771" y="310063"/>
+                  <a:pt x="2196957" y="664521"/>
+                  <a:pt x="2476072" y="935074"/>
+                </a:cubicBezTo>
+                <a:cubicBezTo>
+                  <a:pt x="2755187" y="1205627"/>
+                  <a:pt x="2872483" y="1491591"/>
+                  <a:pt x="2989780" y="1777555"/>
+                </a:cubicBezTo>
+              </a:path>
+            </a:pathLst>
+          </a:custGeom>
+          <a:noFill/>
+          <a:ln>
+            <a:tailEnd type="triangle" w="lg" len="lg"/>
+          </a:ln>
+        </p:spPr>
+        <p:style>
+          <a:lnRef idx="2">
+            <a:schemeClr val="accent1">
+              <a:shade val="50000"/>
+            </a:schemeClr>
+          </a:lnRef>
+          <a:fillRef idx="1">
+            <a:schemeClr val="accent1"/>
+          </a:fillRef>
+          <a:effectRef idx="0">
+            <a:schemeClr val="accent1"/>
+          </a:effectRef>
+          <a:fontRef idx="minor">
+            <a:schemeClr val="lt1"/>
+          </a:fontRef>
+        </p:style>
+        <p:txBody>
+          <a:bodyPr rtlCol="0" anchor="ctr"/>
+          <a:lstStyle/>
+          <a:p>
+            <a:pPr algn="ctr"/>
+            <a:endParaRPr lang="en-GB"/>
+          </a:p>
+        </p:txBody>
+      </p:sp>
+      <p:sp>
+        <p:nvSpPr>
+          <p:cNvPr id="4" name="Freeform: Shape 3">
+            <a:extLst>
+              <a:ext uri="{FF2B5EF4-FFF2-40B4-BE49-F238E27FC236}">
+                <a16:creationId xmlns:a16="http://schemas.microsoft.com/office/drawing/2014/main" id="{47A73421-80F1-4159-89E9-964EAA3DA076}"/>
+              </a:ext>
+            </a:extLst>
+          </p:cNvPr>
+          <p:cNvSpPr/>
+          <p:nvPr/>
+        </p:nvSpPr>
+        <p:spPr>
+          <a:xfrm>
+            <a:off x="6380252" y="929980"/>
+            <a:ext cx="2825393" cy="570047"/>
+          </a:xfrm>
+          <a:custGeom>
+            <a:avLst/>
+            <a:gdLst>
+              <a:gd name="connsiteX0" fmla="*/ 2825393 w 2825393"/>
+              <a:gd name="connsiteY0" fmla="*/ 210451 h 570047"/>
+              <a:gd name="connsiteX1" fmla="*/ 1160979 w 2825393"/>
+              <a:gd name="connsiteY1" fmla="*/ 15242 h 570047"/>
+              <a:gd name="connsiteX2" fmla="*/ 0 w 2825393"/>
+              <a:gd name="connsiteY2" fmla="*/ 570047 h 570047"/>
+            </a:gdLst>
+            <a:ahLst/>
+            <a:cxnLst>
+              <a:cxn ang="0">
+                <a:pos x="connsiteX0" y="connsiteY0"/>
+              </a:cxn>
+              <a:cxn ang="0">
+                <a:pos x="connsiteX1" y="connsiteY1"/>
+              </a:cxn>
+              <a:cxn ang="0">
+                <a:pos x="connsiteX2" y="connsiteY2"/>
+              </a:cxn>
+            </a:cxnLst>
+            <a:rect l="l" t="t" r="r" b="b"/>
+            <a:pathLst>
+              <a:path w="2825393" h="570047">
+                <a:moveTo>
+                  <a:pt x="2825393" y="210451"/>
+                </a:moveTo>
+                <a:cubicBezTo>
+                  <a:pt x="2228635" y="82880"/>
+                  <a:pt x="1631878" y="-44691"/>
+                  <a:pt x="1160979" y="15242"/>
+                </a:cubicBezTo>
+                <a:cubicBezTo>
+                  <a:pt x="690080" y="75175"/>
+                  <a:pt x="345040" y="322611"/>
+                  <a:pt x="0" y="570047"/>
+                </a:cubicBezTo>
+              </a:path>
+            </a:pathLst>
+          </a:custGeom>
+          <a:noFill/>
+          <a:ln>
+            <a:tailEnd type="triangle" w="lg" len="lg"/>
+          </a:ln>
+        </p:spPr>
+        <p:style>
+          <a:lnRef idx="2">
+            <a:schemeClr val="accent1">
+              <a:shade val="50000"/>
+            </a:schemeClr>
+          </a:lnRef>
+          <a:fillRef idx="1">
+            <a:schemeClr val="accent1"/>
+          </a:fillRef>
+          <a:effectRef idx="0">
+            <a:schemeClr val="accent1"/>
+          </a:effectRef>
+          <a:fontRef idx="minor">
+            <a:schemeClr val="lt1"/>
+          </a:fontRef>
+        </p:style>
+        <p:txBody>
+          <a:bodyPr rtlCol="0" anchor="ctr"/>
+          <a:lstStyle/>
+          <a:p>
+            <a:pPr algn="ctr"/>
+            <a:endParaRPr lang="en-GB"/>
+          </a:p>
+        </p:txBody>
+      </p:sp>
+      <p:sp>
+        <p:nvSpPr>
+          <p:cNvPr id="5" name="Freeform: Shape 4">
+            <a:extLst>
+              <a:ext uri="{FF2B5EF4-FFF2-40B4-BE49-F238E27FC236}">
+                <a16:creationId xmlns:a16="http://schemas.microsoft.com/office/drawing/2014/main" id="{86425145-E3A3-4359-A951-A71EB933DBB5}"/>
+              </a:ext>
+            </a:extLst>
+          </p:cNvPr>
+          <p:cNvSpPr/>
+          <p:nvPr/>
+        </p:nvSpPr>
+        <p:spPr>
+          <a:xfrm>
+            <a:off x="2126751" y="3801421"/>
+            <a:ext cx="1273995" cy="256871"/>
+          </a:xfrm>
+          <a:custGeom>
+            <a:avLst/>
+            <a:gdLst>
+              <a:gd name="connsiteX0" fmla="*/ 0 w 1273995"/>
+              <a:gd name="connsiteY0" fmla="*/ 246597 h 256871"/>
+              <a:gd name="connsiteX1" fmla="*/ 698642 w 1273995"/>
+              <a:gd name="connsiteY1" fmla="*/ 17 h 256871"/>
+              <a:gd name="connsiteX2" fmla="*/ 1273995 w 1273995"/>
+              <a:gd name="connsiteY2" fmla="*/ 256871 h 256871"/>
+            </a:gdLst>
+            <a:ahLst/>
+            <a:cxnLst>
+              <a:cxn ang="0">
+                <a:pos x="connsiteX0" y="connsiteY0"/>
+              </a:cxn>
+              <a:cxn ang="0">
+                <a:pos x="connsiteX1" y="connsiteY1"/>
+              </a:cxn>
+              <a:cxn ang="0">
+                <a:pos x="connsiteX2" y="connsiteY2"/>
+              </a:cxn>
+            </a:cxnLst>
+            <a:rect l="l" t="t" r="r" b="b"/>
+            <a:pathLst>
+              <a:path w="1273995" h="256871">
+                <a:moveTo>
+                  <a:pt x="0" y="246597"/>
+                </a:moveTo>
+                <a:cubicBezTo>
+                  <a:pt x="243155" y="122451"/>
+                  <a:pt x="486310" y="-1695"/>
+                  <a:pt x="698642" y="17"/>
+                </a:cubicBezTo>
+                <a:cubicBezTo>
+                  <a:pt x="910974" y="1729"/>
+                  <a:pt x="1092484" y="129300"/>
+                  <a:pt x="1273995" y="256871"/>
+                </a:cubicBezTo>
+              </a:path>
+            </a:pathLst>
+          </a:custGeom>
+          <a:noFill/>
+          <a:ln>
+            <a:tailEnd type="triangle" w="lg" len="lg"/>
+          </a:ln>
+        </p:spPr>
+        <p:style>
+          <a:lnRef idx="2">
+            <a:schemeClr val="accent1">
+              <a:shade val="50000"/>
+            </a:schemeClr>
+          </a:lnRef>
+          <a:fillRef idx="1">
+            <a:schemeClr val="accent1"/>
+          </a:fillRef>
+          <a:effectRef idx="0">
+            <a:schemeClr val="accent1"/>
+          </a:effectRef>
+          <a:fontRef idx="minor">
+            <a:schemeClr val="lt1"/>
+          </a:fontRef>
+        </p:style>
+        <p:txBody>
+          <a:bodyPr rtlCol="0" anchor="ctr"/>
+          <a:lstStyle/>
+          <a:p>
+            <a:pPr algn="ctr"/>
+            <a:endParaRPr lang="en-GB"/>
+          </a:p>
+        </p:txBody>
+      </p:sp>
+      <p:sp>
+        <p:nvSpPr>
+          <p:cNvPr id="6" name="Freeform: Shape 5">
+            <a:extLst>
+              <a:ext uri="{FF2B5EF4-FFF2-40B4-BE49-F238E27FC236}">
+                <a16:creationId xmlns:a16="http://schemas.microsoft.com/office/drawing/2014/main" id="{9B6B3812-0575-4102-882B-E25422E71F8A}"/>
+              </a:ext>
+            </a:extLst>
+          </p:cNvPr>
+          <p:cNvSpPr/>
+          <p:nvPr/>
+        </p:nvSpPr>
+        <p:spPr>
+          <a:xfrm>
+            <a:off x="2445249" y="3914454"/>
+            <a:ext cx="2650733" cy="1880171"/>
+          </a:xfrm>
+          <a:custGeom>
+            <a:avLst/>
+            <a:gdLst>
+              <a:gd name="connsiteX0" fmla="*/ 0 w 2650733"/>
+              <a:gd name="connsiteY0" fmla="*/ 1880171 h 1880171"/>
+              <a:gd name="connsiteX1" fmla="*/ 1962364 w 2650733"/>
+              <a:gd name="connsiteY1" fmla="*/ 1068512 h 1880171"/>
+              <a:gd name="connsiteX2" fmla="*/ 2650733 w 2650733"/>
+              <a:gd name="connsiteY2" fmla="*/ 0 h 1880171"/>
+            </a:gdLst>
+            <a:ahLst/>
+            <a:cxnLst>
+              <a:cxn ang="0">
+                <a:pos x="connsiteX0" y="connsiteY0"/>
+              </a:cxn>
+              <a:cxn ang="0">
+                <a:pos x="connsiteX1" y="connsiteY1"/>
+              </a:cxn>
+              <a:cxn ang="0">
+                <a:pos x="connsiteX2" y="connsiteY2"/>
+              </a:cxn>
+            </a:cxnLst>
+            <a:rect l="l" t="t" r="r" b="b"/>
+            <a:pathLst>
+              <a:path w="2650733" h="1880171">
+                <a:moveTo>
+                  <a:pt x="0" y="1880171"/>
+                </a:moveTo>
+                <a:cubicBezTo>
+                  <a:pt x="760287" y="1631022"/>
+                  <a:pt x="1520575" y="1381874"/>
+                  <a:pt x="1962364" y="1068512"/>
+                </a:cubicBezTo>
+                <a:cubicBezTo>
+                  <a:pt x="2404153" y="755150"/>
+                  <a:pt x="2527443" y="377575"/>
+                  <a:pt x="2650733" y="0"/>
+                </a:cubicBezTo>
+              </a:path>
+            </a:pathLst>
+          </a:custGeom>
+          <a:noFill/>
+          <a:ln>
+            <a:tailEnd type="triangle" w="lg" len="lg"/>
+          </a:ln>
+        </p:spPr>
+        <p:style>
+          <a:lnRef idx="2">
+            <a:schemeClr val="accent1">
+              <a:shade val="50000"/>
+            </a:schemeClr>
+          </a:lnRef>
+          <a:fillRef idx="1">
+            <a:schemeClr val="accent1"/>
+          </a:fillRef>
+          <a:effectRef idx="0">
+            <a:schemeClr val="accent1"/>
+          </a:effectRef>
+          <a:fontRef idx="minor">
+            <a:schemeClr val="lt1"/>
+          </a:fontRef>
+        </p:style>
+        <p:txBody>
+          <a:bodyPr rtlCol="0" anchor="ctr"/>
+          <a:lstStyle/>
+          <a:p>
+            <a:pPr algn="ctr"/>
+            <a:endParaRPr lang="en-GB"/>
+          </a:p>
+        </p:txBody>
+      </p:sp>
+      <p:sp>
+        <p:nvSpPr>
+          <p:cNvPr id="12" name="Freeform: Shape 11">
+            <a:extLst>
+              <a:ext uri="{FF2B5EF4-FFF2-40B4-BE49-F238E27FC236}">
+                <a16:creationId xmlns:a16="http://schemas.microsoft.com/office/drawing/2014/main" id="{EEA2326D-2C49-4013-885F-DB62792AF68D}"/>
+              </a:ext>
+            </a:extLst>
+          </p:cNvPr>
+          <p:cNvSpPr/>
+          <p:nvPr/>
+        </p:nvSpPr>
+        <p:spPr>
+          <a:xfrm>
+            <a:off x="7997992" y="5642765"/>
+            <a:ext cx="1808252" cy="427920"/>
+          </a:xfrm>
+          <a:custGeom>
+            <a:avLst/>
+            <a:gdLst>
+              <a:gd name="connsiteX0" fmla="*/ 1808252 w 1808252"/>
+              <a:gd name="connsiteY0" fmla="*/ 359595 h 427920"/>
+              <a:gd name="connsiteX1" fmla="*/ 606176 w 1808252"/>
+              <a:gd name="connsiteY1" fmla="*/ 400692 h 427920"/>
+              <a:gd name="connsiteX2" fmla="*/ 0 w 1808252"/>
+              <a:gd name="connsiteY2" fmla="*/ 0 h 427920"/>
+            </a:gdLst>
+            <a:ahLst/>
+            <a:cxnLst>
+              <a:cxn ang="0">
+                <a:pos x="connsiteX0" y="connsiteY0"/>
+              </a:cxn>
+              <a:cxn ang="0">
+                <a:pos x="connsiteX1" y="connsiteY1"/>
+              </a:cxn>
+              <a:cxn ang="0">
+                <a:pos x="connsiteX2" y="connsiteY2"/>
+              </a:cxn>
+            </a:cxnLst>
+            <a:rect l="l" t="t" r="r" b="b"/>
+            <a:pathLst>
+              <a:path w="1808252" h="427920">
+                <a:moveTo>
+                  <a:pt x="1808252" y="359595"/>
+                </a:moveTo>
+                <a:cubicBezTo>
+                  <a:pt x="1357901" y="410110"/>
+                  <a:pt x="907551" y="460625"/>
+                  <a:pt x="606176" y="400692"/>
+                </a:cubicBezTo>
+                <a:cubicBezTo>
+                  <a:pt x="304801" y="340759"/>
+                  <a:pt x="152400" y="170379"/>
+                  <a:pt x="0" y="0"/>
+                </a:cubicBezTo>
+              </a:path>
+            </a:pathLst>
+          </a:custGeom>
+          <a:noFill/>
+          <a:ln>
+            <a:tailEnd type="triangle" w="lg" len="lg"/>
+          </a:ln>
+        </p:spPr>
+        <p:style>
+          <a:lnRef idx="2">
+            <a:schemeClr val="accent1">
+              <a:shade val="50000"/>
+            </a:schemeClr>
+          </a:lnRef>
+          <a:fillRef idx="1">
+            <a:schemeClr val="accent1"/>
+          </a:fillRef>
+          <a:effectRef idx="0">
+            <a:schemeClr val="accent1"/>
+          </a:effectRef>
+          <a:fontRef idx="minor">
+            <a:schemeClr val="lt1"/>
+          </a:fontRef>
+        </p:style>
+        <p:txBody>
+          <a:bodyPr rtlCol="0" anchor="ctr"/>
+          <a:lstStyle/>
+          <a:p>
+            <a:pPr algn="ctr"/>
+            <a:endParaRPr lang="en-GB"/>
+          </a:p>
+        </p:txBody>
+      </p:sp>
     </p:spTree>
     <p:extLst>
       <p:ext uri="{BB962C8B-B14F-4D97-AF65-F5344CB8AC3E}">
         <p14:creationId xmlns:p14="http://schemas.microsoft.com/office/powerpoint/2010/main" val="911491820"/>
-      </p:ext>
-    </p:extLst>
-  </p:cSld>
-  <p:clrMapOvr>
-    <a:masterClrMapping/>
-  </p:clrMapOvr>
-</p:sld>
-</file>
-
-<file path=ppt/slides/slide5.xml><?xml version="1.0" encoding="utf-8"?>
-<p:sld xmlns:a="http://schemas.openxmlformats.org/drawingml/2006/main" xmlns:r="http://schemas.openxmlformats.org/officeDocument/2006/relationships" xmlns:p="http://schemas.openxmlformats.org/presentationml/2006/main">
-  <p:cSld>
-    <p:spTree>
-      <p:nvGrpSpPr>
-        <p:cNvPr id="1" name=""/>
-        <p:cNvGrpSpPr/>
-        <p:nvPr/>
-      </p:nvGrpSpPr>
-      <p:grpSpPr>
-        <a:xfrm>
-          <a:off x="0" y="0"/>
-          <a:ext cx="0" cy="0"/>
-          <a:chOff x="0" y="0"/>
-          <a:chExt cx="0" cy="0"/>
-        </a:xfrm>
-      </p:grpSpPr>
-      <p:pic>
-        <p:nvPicPr>
-          <p:cNvPr id="3" name="Picture 2">
-            <a:extLst>
-              <a:ext uri="{FF2B5EF4-FFF2-40B4-BE49-F238E27FC236}">
-                <a16:creationId xmlns:a16="http://schemas.microsoft.com/office/drawing/2014/main" id="{2B3484B1-7559-4642-A0DD-B82999BA1F97}"/>
-              </a:ext>
-            </a:extLst>
-          </p:cNvPr>
-          <p:cNvPicPr>
-            <a:picLocks noChangeAspect="1"/>
-          </p:cNvPicPr>
-          <p:nvPr/>
-        </p:nvPicPr>
-        <p:blipFill rotWithShape="1">
-          <a:blip r:embed="rId2"/>
-          <a:srcRect l="5384" r="4946"/>
-          <a:stretch/>
-        </p:blipFill>
-        <p:spPr>
-          <a:xfrm>
-            <a:off x="5149516" y="1591717"/>
-            <a:ext cx="7042484" cy="3678925"/>
-          </a:xfrm>
-          <a:prstGeom prst="rect">
-            <a:avLst/>
-          </a:prstGeom>
-        </p:spPr>
-      </p:pic>
-      <p:pic>
-        <p:nvPicPr>
-          <p:cNvPr id="5" name="Picture 4">
-            <a:extLst>
-              <a:ext uri="{FF2B5EF4-FFF2-40B4-BE49-F238E27FC236}">
-                <a16:creationId xmlns:a16="http://schemas.microsoft.com/office/drawing/2014/main" id="{FAACCCCA-FB23-4863-86EC-C1CD00C2E4C2}"/>
-              </a:ext>
-            </a:extLst>
-          </p:cNvPr>
-          <p:cNvPicPr>
-            <a:picLocks noChangeAspect="1"/>
-          </p:cNvPicPr>
-          <p:nvPr/>
-        </p:nvPicPr>
-        <p:blipFill>
-          <a:blip r:embed="rId3"/>
-          <a:stretch>
-            <a:fillRect/>
-          </a:stretch>
-        </p:blipFill>
-        <p:spPr>
-          <a:xfrm>
-            <a:off x="0" y="0"/>
-            <a:ext cx="5013000" cy="6858000"/>
-          </a:xfrm>
-          <a:prstGeom prst="rect">
-            <a:avLst/>
-          </a:prstGeom>
-        </p:spPr>
-      </p:pic>
-    </p:spTree>
-    <p:extLst>
-      <p:ext uri="{BB962C8B-B14F-4D97-AF65-F5344CB8AC3E}">
-        <p14:creationId xmlns:p14="http://schemas.microsoft.com/office/powerpoint/2010/main" val="3586125599"/>
       </p:ext>
     </p:extLst>
   </p:cSld>
@@ -9625,7 +10980,36 @@
           <p:cNvPr id="3" name="Picture 2">
             <a:extLst>
               <a:ext uri="{FF2B5EF4-FFF2-40B4-BE49-F238E27FC236}">
-                <a16:creationId xmlns:a16="http://schemas.microsoft.com/office/drawing/2014/main" id="{B3126E36-43F2-4C49-A62D-8CF5A358506C}"/>
+                <a16:creationId xmlns:a16="http://schemas.microsoft.com/office/drawing/2014/main" id="{2B3484B1-7559-4642-A0DD-B82999BA1F97}"/>
+              </a:ext>
+            </a:extLst>
+          </p:cNvPr>
+          <p:cNvPicPr>
+            <a:picLocks noChangeAspect="1"/>
+          </p:cNvPicPr>
+          <p:nvPr/>
+        </p:nvPicPr>
+        <p:blipFill rotWithShape="1">
+          <a:blip r:embed="rId2"/>
+          <a:srcRect l="5384" r="4946"/>
+          <a:stretch/>
+        </p:blipFill>
+        <p:spPr>
+          <a:xfrm>
+            <a:off x="5149516" y="1591717"/>
+            <a:ext cx="7042484" cy="3678925"/>
+          </a:xfrm>
+          <a:prstGeom prst="rect">
+            <a:avLst/>
+          </a:prstGeom>
+        </p:spPr>
+      </p:pic>
+      <p:pic>
+        <p:nvPicPr>
+          <p:cNvPr id="5" name="Picture 4">
+            <a:extLst>
+              <a:ext uri="{FF2B5EF4-FFF2-40B4-BE49-F238E27FC236}">
+                <a16:creationId xmlns:a16="http://schemas.microsoft.com/office/drawing/2014/main" id="{FAACCCCA-FB23-4863-86EC-C1CD00C2E4C2}"/>
               </a:ext>
             </a:extLst>
           </p:cNvPr>
@@ -9642,20 +11026,50 @@
         </p:blipFill>
         <p:spPr>
           <a:xfrm>
-            <a:off x="190743" y="461547"/>
-            <a:ext cx="4582164" cy="5934903"/>
+            <a:off x="0" y="0"/>
+            <a:ext cx="5013000" cy="6858000"/>
           </a:xfrm>
           <a:prstGeom prst="rect">
             <a:avLst/>
           </a:prstGeom>
         </p:spPr>
       </p:pic>
+    </p:spTree>
+    <p:extLst>
+      <p:ext uri="{BB962C8B-B14F-4D97-AF65-F5344CB8AC3E}">
+        <p14:creationId xmlns:p14="http://schemas.microsoft.com/office/powerpoint/2010/main" val="3586125599"/>
+      </p:ext>
+    </p:extLst>
+  </p:cSld>
+  <p:clrMapOvr>
+    <a:masterClrMapping/>
+  </p:clrMapOvr>
+</p:sld>
+</file>
+
+<file path=ppt/slides/slide7.xml><?xml version="1.0" encoding="utf-8"?>
+<p:sld xmlns:a="http://schemas.openxmlformats.org/drawingml/2006/main" xmlns:r="http://schemas.openxmlformats.org/officeDocument/2006/relationships" xmlns:p="http://schemas.openxmlformats.org/presentationml/2006/main">
+  <p:cSld>
+    <p:spTree>
+      <p:nvGrpSpPr>
+        <p:cNvPr id="1" name=""/>
+        <p:cNvGrpSpPr/>
+        <p:nvPr/>
+      </p:nvGrpSpPr>
+      <p:grpSpPr>
+        <a:xfrm>
+          <a:off x="0" y="0"/>
+          <a:ext cx="0" cy="0"/>
+          <a:chOff x="0" y="0"/>
+          <a:chExt cx="0" cy="0"/>
+        </a:xfrm>
+      </p:grpSpPr>
       <p:pic>
         <p:nvPicPr>
-          <p:cNvPr id="6" name="Picture 5">
-            <a:extLst>
-              <a:ext uri="{FF2B5EF4-FFF2-40B4-BE49-F238E27FC236}">
-                <a16:creationId xmlns:a16="http://schemas.microsoft.com/office/drawing/2014/main" id="{CE8BBF6E-DA78-48A8-8FB7-05EF21D950AE}"/>
+          <p:cNvPr id="10" name="Picture 9">
+            <a:extLst>
+              <a:ext uri="{FF2B5EF4-FFF2-40B4-BE49-F238E27FC236}">
+                <a16:creationId xmlns:a16="http://schemas.microsoft.com/office/drawing/2014/main" id="{C7BD08D6-1571-4656-94D0-87425BA1DE6C}"/>
               </a:ext>
             </a:extLst>
           </p:cNvPr>
@@ -9664,127 +11078,90 @@
           </p:cNvPicPr>
           <p:nvPr/>
         </p:nvPicPr>
-        <p:blipFill>
-          <a:blip r:embed="rId4"/>
-          <a:stretch>
-            <a:fillRect/>
-          </a:stretch>
+        <p:blipFill rotWithShape="1">
+          <a:blip r:embed="rId3"/>
+          <a:srcRect t="13293"/>
+          <a:stretch/>
         </p:blipFill>
         <p:spPr>
           <a:xfrm>
-            <a:off x="4904142" y="562091"/>
-            <a:ext cx="7097115" cy="4439270"/>
+            <a:off x="7770127" y="1778218"/>
+            <a:ext cx="4421873" cy="4965961"/>
           </a:xfrm>
           <a:prstGeom prst="rect">
             <a:avLst/>
           </a:prstGeom>
         </p:spPr>
       </p:pic>
-      <p:sp>
-        <p:nvSpPr>
-          <p:cNvPr id="7" name="TextBox 6">
-            <a:extLst>
-              <a:ext uri="{FF2B5EF4-FFF2-40B4-BE49-F238E27FC236}">
-                <a16:creationId xmlns:a16="http://schemas.microsoft.com/office/drawing/2014/main" id="{E8853965-10C0-4233-939B-58AF70366C87}"/>
-              </a:ext>
-            </a:extLst>
-          </p:cNvPr>
-          <p:cNvSpPr txBox="1"/>
+      <p:pic>
+        <p:nvPicPr>
+          <p:cNvPr id="3" name="Picture 2">
+            <a:extLst>
+              <a:ext uri="{FF2B5EF4-FFF2-40B4-BE49-F238E27FC236}">
+                <a16:creationId xmlns:a16="http://schemas.microsoft.com/office/drawing/2014/main" id="{B3126E36-43F2-4C49-A62D-8CF5A358506C}"/>
+              </a:ext>
+            </a:extLst>
+          </p:cNvPr>
+          <p:cNvPicPr>
+            <a:picLocks noChangeAspect="1"/>
+          </p:cNvPicPr>
           <p:nvPr/>
-        </p:nvSpPr>
+        </p:nvPicPr>
+        <p:blipFill rotWithShape="1">
+          <a:blip r:embed="rId3"/>
+          <a:srcRect r="40933" b="86311"/>
+          <a:stretch/>
+        </p:blipFill>
         <p:spPr>
           <a:xfrm>
-            <a:off x="4952580" y="4847249"/>
-            <a:ext cx="433132" cy="523220"/>
+            <a:off x="52866" y="108447"/>
+            <a:ext cx="4193314" cy="1258735"/>
           </a:xfrm>
           <a:prstGeom prst="rect">
             <a:avLst/>
           </a:prstGeom>
-          <a:noFill/>
-        </p:spPr>
-        <p:txBody>
-          <a:bodyPr wrap="none" rtlCol="0">
-            <a:spAutoFit/>
-          </a:bodyPr>
-          <a:lstStyle/>
-          <a:p>
-            <a:r>
-              <a:rPr lang="en-GB" sz="2800" dirty="0"/>
-              <a:t>…</a:t>
-            </a:r>
-          </a:p>
-        </p:txBody>
-      </p:sp>
-      <p:sp>
-        <p:nvSpPr>
-          <p:cNvPr id="8" name="TextBox 7">
-            <a:extLst>
-              <a:ext uri="{FF2B5EF4-FFF2-40B4-BE49-F238E27FC236}">
-                <a16:creationId xmlns:a16="http://schemas.microsoft.com/office/drawing/2014/main" id="{A0977F12-7DC6-4B05-82AF-F92E8DEBBB3C}"/>
-              </a:ext>
-            </a:extLst>
-          </p:cNvPr>
-          <p:cNvSpPr txBox="1"/>
+        </p:spPr>
+      </p:pic>
+      <p:pic>
+        <p:nvPicPr>
+          <p:cNvPr id="6" name="Picture 5">
+            <a:extLst>
+              <a:ext uri="{FF2B5EF4-FFF2-40B4-BE49-F238E27FC236}">
+                <a16:creationId xmlns:a16="http://schemas.microsoft.com/office/drawing/2014/main" id="{CE8BBF6E-DA78-48A8-8FB7-05EF21D950AE}"/>
+              </a:ext>
+            </a:extLst>
+          </p:cNvPr>
+          <p:cNvPicPr>
+            <a:picLocks noChangeAspect="1"/>
+          </p:cNvPicPr>
           <p:nvPr/>
-        </p:nvSpPr>
+        </p:nvPicPr>
+        <p:blipFill rotWithShape="1">
+          <a:blip r:embed="rId4">
+            <a:clrChange>
+              <a:clrFrom>
+                <a:srgbClr val="FFFFFF"/>
+              </a:clrFrom>
+              <a:clrTo>
+                <a:srgbClr val="FFFFFF">
+                  <a:alpha val="0"/>
+                </a:srgbClr>
+              </a:clrTo>
+            </a:clrChange>
+          </a:blip>
+          <a:srcRect t="54868"/>
+          <a:stretch/>
+        </p:blipFill>
         <p:spPr>
           <a:xfrm>
-            <a:off x="8906418" y="4847249"/>
-            <a:ext cx="433132" cy="523220"/>
+            <a:off x="914181" y="1778218"/>
+            <a:ext cx="9641828" cy="2721863"/>
           </a:xfrm>
           <a:prstGeom prst="rect">
             <a:avLst/>
           </a:prstGeom>
-          <a:noFill/>
-        </p:spPr>
-        <p:txBody>
-          <a:bodyPr wrap="none" rtlCol="0">
-            <a:spAutoFit/>
-          </a:bodyPr>
-          <a:lstStyle/>
-          <a:p>
-            <a:r>
-              <a:rPr lang="en-GB" sz="2800" dirty="0"/>
-              <a:t>…</a:t>
-            </a:r>
-          </a:p>
-        </p:txBody>
-      </p:sp>
-      <p:sp>
-        <p:nvSpPr>
-          <p:cNvPr id="9" name="TextBox 8">
-            <a:extLst>
-              <a:ext uri="{FF2B5EF4-FFF2-40B4-BE49-F238E27FC236}">
-                <a16:creationId xmlns:a16="http://schemas.microsoft.com/office/drawing/2014/main" id="{D9C42BF5-C6E0-468F-AFFB-8755AE931723}"/>
-              </a:ext>
-            </a:extLst>
-          </p:cNvPr>
-          <p:cNvSpPr txBox="1"/>
-          <p:nvPr/>
-        </p:nvSpPr>
-        <p:spPr>
-          <a:xfrm>
-            <a:off x="10796863" y="4847249"/>
-            <a:ext cx="433132" cy="523220"/>
-          </a:xfrm>
-          <a:prstGeom prst="rect">
-            <a:avLst/>
-          </a:prstGeom>
-          <a:noFill/>
-        </p:spPr>
-        <p:txBody>
-          <a:bodyPr wrap="none" rtlCol="0">
-            <a:spAutoFit/>
-          </a:bodyPr>
-          <a:lstStyle/>
-          <a:p>
-            <a:r>
-              <a:rPr lang="en-GB" sz="2800" dirty="0"/>
-              <a:t>…</a:t>
-            </a:r>
-          </a:p>
-        </p:txBody>
-      </p:sp>
+        </p:spPr>
+      </p:pic>
     </p:spTree>
     <p:extLst>
       <p:ext uri="{BB962C8B-B14F-4D97-AF65-F5344CB8AC3E}">
@@ -9798,7 +11175,7 @@
 </p:sld>
 </file>
 
-<file path=ppt/slides/slide7.xml><?xml version="1.0" encoding="utf-8"?>
+<file path=ppt/slides/slide8.xml><?xml version="1.0" encoding="utf-8"?>
 <p:sld xmlns:a="http://schemas.openxmlformats.org/drawingml/2006/main" xmlns:r="http://schemas.openxmlformats.org/officeDocument/2006/relationships" xmlns:p="http://schemas.openxmlformats.org/presentationml/2006/main">
   <p:cSld>
     <p:bg>
@@ -9973,7 +11350,7 @@
 </p:sld>
 </file>
 
-<file path=ppt/slides/slide8.xml><?xml version="1.0" encoding="utf-8"?>
+<file path=ppt/slides/slide9.xml><?xml version="1.0" encoding="utf-8"?>
 <p:sld xmlns:a="http://schemas.openxmlformats.org/drawingml/2006/main" xmlns:r="http://schemas.openxmlformats.org/officeDocument/2006/relationships" xmlns:p="http://schemas.openxmlformats.org/presentationml/2006/main">
   <p:cSld>
     <p:bg>
@@ -10365,177 +11742,6 @@
       <p:bldP spid="3" grpId="0"/>
     </p:bldLst>
   </p:timing>
-</p:sld>
-</file>
-
-<file path=ppt/slides/slide9.xml><?xml version="1.0" encoding="utf-8"?>
-<p:sld xmlns:a="http://schemas.openxmlformats.org/drawingml/2006/main" xmlns:r="http://schemas.openxmlformats.org/officeDocument/2006/relationships" xmlns:p="http://schemas.openxmlformats.org/presentationml/2006/main">
-  <p:cSld>
-    <p:bg>
-      <p:bgPr>
-        <a:solidFill>
-          <a:schemeClr val="bg1"/>
-        </a:solidFill>
-        <a:effectLst/>
-      </p:bgPr>
-    </p:bg>
-    <p:spTree>
-      <p:nvGrpSpPr>
-        <p:cNvPr id="1" name=""/>
-        <p:cNvGrpSpPr/>
-        <p:nvPr/>
-      </p:nvGrpSpPr>
-      <p:grpSpPr>
-        <a:xfrm>
-          <a:off x="0" y="0"/>
-          <a:ext cx="0" cy="0"/>
-          <a:chOff x="0" y="0"/>
-          <a:chExt cx="0" cy="0"/>
-        </a:xfrm>
-      </p:grpSpPr>
-      <p:sp>
-        <p:nvSpPr>
-          <p:cNvPr id="12" name="Rectangle 11">
-            <a:extLst>
-              <a:ext uri="{FF2B5EF4-FFF2-40B4-BE49-F238E27FC236}">
-                <a16:creationId xmlns:a16="http://schemas.microsoft.com/office/drawing/2014/main" id="{A4AC5506-6312-4701-8D3C-40187889A947}"/>
-              </a:ext>
-              <a:ext uri="{C183D7F6-B498-43B3-948B-1728B52AA6E4}">
-                <adec:decorative xmlns:adec="http://schemas.microsoft.com/office/drawing/2017/decorative" val="1"/>
-              </a:ext>
-            </a:extLst>
-          </p:cNvPr>
-          <p:cNvSpPr>
-            <a:spLocks noGrp="1" noRot="1" noChangeAspect="1" noMove="1" noResize="1" noEditPoints="1" noAdjustHandles="1" noChangeArrowheads="1" noChangeShapeType="1" noTextEdit="1"/>
-          </p:cNvSpPr>
-          <p:nvPr>
-            <p:extLst>
-              <p:ext uri="{386F3935-93C4-4BCD-93E2-E3B085C9AB24}">
-                <p16:designElem xmlns:p16="http://schemas.microsoft.com/office/powerpoint/2015/main" val="1"/>
-              </p:ext>
-            </p:extLst>
-          </p:nvPr>
-        </p:nvSpPr>
-        <p:spPr>
-          <a:xfrm>
-            <a:off x="0" y="651752"/>
-            <a:ext cx="12192000" cy="736551"/>
-          </a:xfrm>
-          <a:prstGeom prst="rect">
-            <a:avLst/>
-          </a:prstGeom>
-          <a:solidFill>
-            <a:schemeClr val="tx1"/>
-          </a:solidFill>
-          <a:ln>
-            <a:noFill/>
-          </a:ln>
-        </p:spPr>
-        <p:style>
-          <a:lnRef idx="2">
-            <a:schemeClr val="accent1">
-              <a:shade val="50000"/>
-            </a:schemeClr>
-          </a:lnRef>
-          <a:fillRef idx="1">
-            <a:schemeClr val="accent1"/>
-          </a:fillRef>
-          <a:effectRef idx="0">
-            <a:schemeClr val="accent1"/>
-          </a:effectRef>
-          <a:fontRef idx="minor">
-            <a:schemeClr val="lt1"/>
-          </a:fontRef>
-        </p:style>
-        <p:txBody>
-          <a:bodyPr rtlCol="0" anchor="ctr"/>
-          <a:lstStyle/>
-          <a:p>
-            <a:pPr algn="ctr"/>
-            <a:endParaRPr lang="en-US"/>
-          </a:p>
-        </p:txBody>
-      </p:sp>
-      <p:sp>
-        <p:nvSpPr>
-          <p:cNvPr id="2" name="Title 1">
-            <a:extLst>
-              <a:ext uri="{FF2B5EF4-FFF2-40B4-BE49-F238E27FC236}">
-                <a16:creationId xmlns:a16="http://schemas.microsoft.com/office/drawing/2014/main" id="{BA2925BF-C0FA-4927-ABA5-134027B589CE}"/>
-              </a:ext>
-            </a:extLst>
-          </p:cNvPr>
-          <p:cNvSpPr>
-            <a:spLocks noGrp="1"/>
-          </p:cNvSpPr>
-          <p:nvPr>
-            <p:ph type="title"/>
-          </p:nvPr>
-        </p:nvSpPr>
-        <p:spPr>
-          <a:xfrm>
-            <a:off x="556532" y="643467"/>
-            <a:ext cx="11210925" cy="744836"/>
-          </a:xfrm>
-        </p:spPr>
-        <p:txBody>
-          <a:bodyPr>
-            <a:normAutofit/>
-          </a:bodyPr>
-          <a:lstStyle/>
-          <a:p>
-            <a:pPr algn="ctr"/>
-            <a:r>
-              <a:rPr lang="en-GB" sz="3200">
-                <a:solidFill>
-                  <a:schemeClr val="bg1"/>
-                </a:solidFill>
-              </a:rPr>
-              <a:t>Externalist approaches (social position)</a:t>
-            </a:r>
-          </a:p>
-        </p:txBody>
-      </p:sp>
-      <p:pic>
-        <p:nvPicPr>
-          <p:cNvPr id="7" name="Picture 6">
-            <a:extLst>
-              <a:ext uri="{FF2B5EF4-FFF2-40B4-BE49-F238E27FC236}">
-                <a16:creationId xmlns:a16="http://schemas.microsoft.com/office/drawing/2014/main" id="{9B65C113-5DFA-40C0-9F7C-3DD538E871B2}"/>
-              </a:ext>
-            </a:extLst>
-          </p:cNvPr>
-          <p:cNvPicPr>
-            <a:picLocks noChangeAspect="1"/>
-          </p:cNvPicPr>
-          <p:nvPr/>
-        </p:nvPicPr>
-        <p:blipFill>
-          <a:blip r:embed="rId2"/>
-          <a:stretch>
-            <a:fillRect/>
-          </a:stretch>
-        </p:blipFill>
-        <p:spPr>
-          <a:xfrm>
-            <a:off x="98213" y="1806162"/>
-            <a:ext cx="11995573" cy="4408371"/>
-          </a:xfrm>
-          <a:prstGeom prst="rect">
-            <a:avLst/>
-          </a:prstGeom>
-        </p:spPr>
-      </p:pic>
-    </p:spTree>
-    <p:extLst>
-      <p:ext uri="{BB962C8B-B14F-4D97-AF65-F5344CB8AC3E}">
-        <p14:creationId xmlns:p14="http://schemas.microsoft.com/office/powerpoint/2010/main" val="753341366"/>
-      </p:ext>
-    </p:extLst>
-  </p:cSld>
-  <p:clrMapOvr>
-    <a:masterClrMapping/>
-  </p:clrMapOvr>
 </p:sld>
 </file>
 
